--- a/différent plateformes de.pptx
+++ b/différent plateformes de.pptx
@@ -4,10 +4,23 @@
   <p:sldMasterIdLst>
     <p:sldMasterId id="2147483716" r:id="rId1"/>
   </p:sldMasterIdLst>
+  <p:notesMasterIdLst>
+    <p:notesMasterId r:id="rId12"/>
+  </p:notesMasterIdLst>
+  <p:handoutMasterIdLst>
+    <p:handoutMasterId r:id="rId13"/>
+  </p:handoutMasterIdLst>
   <p:sldIdLst>
     <p:sldId id="256" r:id="rId2"/>
     <p:sldId id="257" r:id="rId3"/>
     <p:sldId id="258" r:id="rId4"/>
+    <p:sldId id="260" r:id="rId5"/>
+    <p:sldId id="261" r:id="rId6"/>
+    <p:sldId id="262" r:id="rId7"/>
+    <p:sldId id="263" r:id="rId8"/>
+    <p:sldId id="264" r:id="rId9"/>
+    <p:sldId id="265" r:id="rId10"/>
+    <p:sldId id="266" r:id="rId11"/>
   </p:sldIdLst>
   <p:sldSz cx="12192000" cy="6858000"/>
   <p:notesSz cx="6858000" cy="9144000"/>
@@ -106,6 +119,22 @@
       </a:defRPr>
     </a:lvl9pPr>
   </p:defaultTextStyle>
+  <p:extLst>
+    <p:ext uri="{EFAFB233-063F-42B5-8137-9DF3F51BA10A}">
+      <p15:sldGuideLst xmlns:p15="http://schemas.microsoft.com/office/powerpoint/2012/main">
+        <p15:guide id="1" orient="horz" pos="2160">
+          <p15:clr>
+            <a:srgbClr val="A4A3A4"/>
+          </p15:clr>
+        </p15:guide>
+        <p15:guide id="2" pos="3840">
+          <p15:clr>
+            <a:srgbClr val="A4A3A4"/>
+          </p15:clr>
+        </p15:guide>
+      </p15:sldGuideLst>
+    </p:ext>
+  </p:extLst>
 </p:presentation>
 </file>
 
@@ -916,7 +945,7 @@
         <a:p>
           <a:r>
             <a:rPr lang="fr-FR" dirty="0" smtClean="0"/>
-            <a:t>Introduction</a:t>
+            <a:t>Introduction.</a:t>
           </a:r>
           <a:endParaRPr lang="fr-FR" dirty="0"/>
         </a:p>
@@ -959,6 +988,10 @@
             <a:rPr lang="fr-FR" dirty="0" err="1" smtClean="0"/>
             <a:t>compution</a:t>
           </a:r>
+          <a:r>
+            <a:rPr lang="fr-FR" dirty="0" smtClean="0"/>
+            <a:t> .</a:t>
+          </a:r>
           <a:endParaRPr lang="fr-FR" dirty="0"/>
         </a:p>
       </dgm:t>
@@ -966,10 +999,24 @@
     <dgm:pt modelId="{4FB0065C-CB52-49B3-96ED-ABA409D8FA0A}" type="parTrans" cxnId="{A45B92E6-07B6-4302-8D3F-8D2E1C2C8705}">
       <dgm:prSet/>
       <dgm:spPr/>
+      <dgm:t>
+        <a:bodyPr/>
+        <a:lstStyle/>
+        <a:p>
+          <a:endParaRPr lang="fr-FR"/>
+        </a:p>
+      </dgm:t>
     </dgm:pt>
     <dgm:pt modelId="{0AA33C11-78E7-4225-B8CF-94EF536AC516}" type="sibTrans" cxnId="{A45B92E6-07B6-4302-8D3F-8D2E1C2C8705}">
       <dgm:prSet/>
       <dgm:spPr/>
+      <dgm:t>
+        <a:bodyPr/>
+        <a:lstStyle/>
+        <a:p>
+          <a:endParaRPr lang="fr-FR"/>
+        </a:p>
+      </dgm:t>
     </dgm:pt>
     <dgm:pt modelId="{F3AC3608-12D0-4764-81C1-783E9B67440D}">
       <dgm:prSet phldrT="[Texte]"/>
@@ -980,11 +1027,7 @@
         <a:p>
           <a:r>
             <a:rPr lang="fr-FR" dirty="0" smtClean="0"/>
-            <a:t>Google </a:t>
-          </a:r>
-          <a:r>
-            <a:rPr lang="fr-FR" dirty="0" err="1" smtClean="0"/>
-            <a:t>cloud</a:t>
+            <a:t>Amazon Web Services (AWS) .</a:t>
           </a:r>
           <a:endParaRPr lang="fr-FR" dirty="0"/>
         </a:p>
@@ -993,10 +1036,24 @@
     <dgm:pt modelId="{F109156E-1914-4B1A-B2A4-C84A1A29EEF5}" type="parTrans" cxnId="{4D39BDA0-A5BB-4BC2-AAFF-5ED6ECC20A76}">
       <dgm:prSet/>
       <dgm:spPr/>
+      <dgm:t>
+        <a:bodyPr/>
+        <a:lstStyle/>
+        <a:p>
+          <a:endParaRPr lang="fr-FR"/>
+        </a:p>
+      </dgm:t>
     </dgm:pt>
     <dgm:pt modelId="{36F78D2C-C7D9-4C95-896D-1F4D00D9D305}" type="sibTrans" cxnId="{4D39BDA0-A5BB-4BC2-AAFF-5ED6ECC20A76}">
       <dgm:prSet/>
       <dgm:spPr/>
+      <dgm:t>
+        <a:bodyPr/>
+        <a:lstStyle/>
+        <a:p>
+          <a:endParaRPr lang="fr-FR"/>
+        </a:p>
+      </dgm:t>
     </dgm:pt>
     <dgm:pt modelId="{256CC090-EB33-4FAA-A81E-27EC6A558586}">
       <dgm:prSet phldrT="[Texte]"/>
@@ -1007,11 +1064,7 @@
         <a:p>
           <a:r>
             <a:rPr lang="fr-FR" dirty="0" smtClean="0"/>
-            <a:t>Amazon </a:t>
-          </a:r>
-          <a:r>
-            <a:rPr lang="fr-FR" dirty="0" err="1" smtClean="0"/>
-            <a:t>cloud</a:t>
+            <a:t>Microsoft Azure .</a:t>
           </a:r>
           <a:endParaRPr lang="fr-FR" dirty="0"/>
         </a:p>
@@ -1020,10 +1073,24 @@
     <dgm:pt modelId="{73031E9D-8149-402D-82C4-9FD6995B62B7}" type="parTrans" cxnId="{4CFA52CB-06A6-4647-B303-9FE4F91AE4DD}">
       <dgm:prSet/>
       <dgm:spPr/>
+      <dgm:t>
+        <a:bodyPr/>
+        <a:lstStyle/>
+        <a:p>
+          <a:endParaRPr lang="fr-FR"/>
+        </a:p>
+      </dgm:t>
     </dgm:pt>
     <dgm:pt modelId="{EC28957F-5080-4D14-AD3A-D04E9BF354A5}" type="sibTrans" cxnId="{4CFA52CB-06A6-4647-B303-9FE4F91AE4DD}">
       <dgm:prSet/>
       <dgm:spPr/>
+      <dgm:t>
+        <a:bodyPr/>
+        <a:lstStyle/>
+        <a:p>
+          <a:endParaRPr lang="fr-FR"/>
+        </a:p>
+      </dgm:t>
     </dgm:pt>
     <dgm:pt modelId="{6FF3FC1D-0F77-4D7F-9A1B-D4E3AF35D2BF}">
       <dgm:prSet phldrT="[Texte]"/>
@@ -1044,6 +1111,10 @@
             <a:rPr lang="fr-FR" dirty="0" smtClean="0"/>
             <a:t> </a:t>
           </a:r>
+          <a:r>
+            <a:rPr lang="fr-FR" dirty="0" smtClean="0"/>
+            <a:t>.</a:t>
+          </a:r>
           <a:endParaRPr lang="fr-FR" dirty="0"/>
         </a:p>
       </dgm:t>
@@ -1051,10 +1122,24 @@
     <dgm:pt modelId="{067C7161-F921-4021-9611-0CFBE16DCD10}" type="parTrans" cxnId="{062E815F-4295-477D-8BFB-426552FCA4EE}">
       <dgm:prSet/>
       <dgm:spPr/>
+      <dgm:t>
+        <a:bodyPr/>
+        <a:lstStyle/>
+        <a:p>
+          <a:endParaRPr lang="fr-FR"/>
+        </a:p>
+      </dgm:t>
     </dgm:pt>
     <dgm:pt modelId="{10B5EB66-E4EC-43D4-9083-FA301D6C26CB}" type="sibTrans" cxnId="{062E815F-4295-477D-8BFB-426552FCA4EE}">
       <dgm:prSet/>
       <dgm:spPr/>
+      <dgm:t>
+        <a:bodyPr/>
+        <a:lstStyle/>
+        <a:p>
+          <a:endParaRPr lang="fr-FR"/>
+        </a:p>
+      </dgm:t>
     </dgm:pt>
     <dgm:pt modelId="{D809D3C3-87B4-4F20-9CF5-DCA983D0F8DD}">
       <dgm:prSet phldrT="[Texte]"/>
@@ -1065,7 +1150,7 @@
         <a:p>
           <a:r>
             <a:rPr lang="fr-FR" dirty="0" smtClean="0"/>
-            <a:t>conclusion</a:t>
+            <a:t>Conclusion .</a:t>
           </a:r>
           <a:endParaRPr lang="fr-FR" dirty="0"/>
         </a:p>
@@ -1074,8 +1159,89 @@
     <dgm:pt modelId="{0E92D3A3-4C75-4AE1-BA86-B2CA95A1079A}" type="parTrans" cxnId="{2E7A4888-61A1-4D60-B721-89330D987675}">
       <dgm:prSet/>
       <dgm:spPr/>
+      <dgm:t>
+        <a:bodyPr/>
+        <a:lstStyle/>
+        <a:p>
+          <a:endParaRPr lang="fr-FR"/>
+        </a:p>
+      </dgm:t>
     </dgm:pt>
     <dgm:pt modelId="{189EA214-09E8-42CF-B385-341831A28AEE}" type="sibTrans" cxnId="{2E7A4888-61A1-4D60-B721-89330D987675}">
+      <dgm:prSet/>
+      <dgm:spPr/>
+      <dgm:t>
+        <a:bodyPr/>
+        <a:lstStyle/>
+        <a:p>
+          <a:endParaRPr lang="fr-FR"/>
+        </a:p>
+      </dgm:t>
+    </dgm:pt>
+    <dgm:pt modelId="{877BCEFA-263E-4F42-94DB-0483B936A81F}">
+      <dgm:prSet phldrT="[Texte]"/>
+      <dgm:spPr/>
+      <dgm:t>
+        <a:bodyPr/>
+        <a:lstStyle/>
+        <a:p>
+          <a:r>
+            <a:rPr lang="fr-FR" dirty="0" smtClean="0">
+              <a:ln w="0"/>
+              <a:effectLst>
+                <a:outerShdw blurRad="38100" dist="19050" dir="2700000" algn="tl" rotWithShape="0">
+                  <a:schemeClr val="dk1">
+                    <a:alpha val="40000"/>
+                  </a:schemeClr>
+                </a:outerShdw>
+              </a:effectLst>
+            </a:rPr>
+            <a:t>Comparaison entre les plateforme .</a:t>
+          </a:r>
+          <a:endParaRPr lang="fr-FR" dirty="0"/>
+        </a:p>
+      </dgm:t>
+    </dgm:pt>
+    <dgm:pt modelId="{3C52DBFB-1E6A-4E35-8229-28ABA6F37D7E}" type="parTrans" cxnId="{76904E55-70EA-4333-A539-4A5660270C82}">
+      <dgm:prSet/>
+      <dgm:spPr/>
+    </dgm:pt>
+    <dgm:pt modelId="{1FABB2F6-3B22-4173-B2D1-8CD1048642B6}" type="sibTrans" cxnId="{76904E55-70EA-4333-A539-4A5660270C82}">
+      <dgm:prSet/>
+      <dgm:spPr/>
+    </dgm:pt>
+    <dgm:pt modelId="{58EBB887-3712-4184-8884-824A8C231139}">
+      <dgm:prSet phldrT="[Texte]"/>
+      <dgm:spPr/>
+      <dgm:t>
+        <a:bodyPr/>
+        <a:lstStyle/>
+        <a:p>
+          <a:r>
+            <a:rPr lang="fr-FR" b="0" cap="none" spc="0" dirty="0" smtClean="0">
+              <a:ln w="0"/>
+              <a:solidFill>
+                <a:schemeClr val="tx1"/>
+              </a:solidFill>
+              <a:effectLst>
+                <a:outerShdw blurRad="38100" dist="19050" dir="2700000" algn="tl" rotWithShape="0">
+                  <a:schemeClr val="dk1">
+                    <a:alpha val="40000"/>
+                  </a:schemeClr>
+                </a:outerShdw>
+              </a:effectLst>
+            </a:rPr>
+            <a:t>Google Cloud .</a:t>
+          </a:r>
+          <a:endParaRPr lang="fr-FR" dirty="0"/>
+        </a:p>
+      </dgm:t>
+    </dgm:pt>
+    <dgm:pt modelId="{F972060C-9445-4E2D-B80D-5DC5AA5FB6E5}" type="parTrans" cxnId="{E0BF8094-80EF-4E99-B195-34FAB01C92E6}">
+      <dgm:prSet/>
+      <dgm:spPr/>
+    </dgm:pt>
+    <dgm:pt modelId="{7387CBA4-88E5-47D9-B88B-D6976682E3D8}" type="sibTrans" cxnId="{E0BF8094-80EF-4E99-B195-34FAB01C92E6}">
       <dgm:prSet/>
       <dgm:spPr/>
     </dgm:pt>
@@ -1087,6 +1253,13 @@
         </dgm:presLayoutVars>
       </dgm:prSet>
       <dgm:spPr/>
+      <dgm:t>
+        <a:bodyPr/>
+        <a:lstStyle/>
+        <a:p>
+          <a:endParaRPr lang="fr-FR"/>
+        </a:p>
+      </dgm:t>
     </dgm:pt>
     <dgm:pt modelId="{A35FE106-4E80-4AD6-B9D0-BBD92D52D77F}" type="pres">
       <dgm:prSet presAssocID="{88DFA985-BD3E-4263-96AD-0F1C064D25CF}" presName="parentText" presStyleLbl="node1" presStyleIdx="0" presStyleCnt="1">
@@ -1096,6 +1269,13 @@
         </dgm:presLayoutVars>
       </dgm:prSet>
       <dgm:spPr/>
+      <dgm:t>
+        <a:bodyPr/>
+        <a:lstStyle/>
+        <a:p>
+          <a:endParaRPr lang="fr-FR"/>
+        </a:p>
+      </dgm:t>
     </dgm:pt>
     <dgm:pt modelId="{C76A580D-C291-4631-A045-EB76153BCC2F}" type="pres">
       <dgm:prSet presAssocID="{88DFA985-BD3E-4263-96AD-0F1C064D25CF}" presName="childText" presStyleLbl="revTx" presStyleIdx="0" presStyleCnt="1">
@@ -1104,19 +1284,30 @@
         </dgm:presLayoutVars>
       </dgm:prSet>
       <dgm:spPr/>
+      <dgm:t>
+        <a:bodyPr/>
+        <a:lstStyle/>
+        <a:p>
+          <a:endParaRPr lang="fr-FR"/>
+        </a:p>
+      </dgm:t>
     </dgm:pt>
   </dgm:ptLst>
   <dgm:cxnLst>
+    <dgm:cxn modelId="{76904E55-70EA-4333-A539-4A5660270C82}" srcId="{88DFA985-BD3E-4263-96AD-0F1C064D25CF}" destId="{877BCEFA-263E-4F42-94DB-0483B936A81F}" srcOrd="6" destOrd="0" parTransId="{3C52DBFB-1E6A-4E35-8229-28ABA6F37D7E}" sibTransId="{1FABB2F6-3B22-4173-B2D1-8CD1048642B6}"/>
+    <dgm:cxn modelId="{493AEF8F-754D-4DA2-8B94-01548911BE36}" type="presOf" srcId="{877BCEFA-263E-4F42-94DB-0483B936A81F}" destId="{C76A580D-C291-4631-A045-EB76153BCC2F}" srcOrd="0" destOrd="6" presId="urn:microsoft.com/office/officeart/2005/8/layout/vList2"/>
     <dgm:cxn modelId="{1AC29D58-FCB6-412C-9E5E-572A480ADF62}" type="presOf" srcId="{F4853566-61F6-4CF3-8753-932B857FA12D}" destId="{21CEC60F-59D9-4828-A0C8-B191942E4D1D}" srcOrd="0" destOrd="0" presId="urn:microsoft.com/office/officeart/2005/8/layout/vList2"/>
+    <dgm:cxn modelId="{2E7A4888-61A1-4D60-B721-89330D987675}" srcId="{88DFA985-BD3E-4263-96AD-0F1C064D25CF}" destId="{D809D3C3-87B4-4F20-9CF5-DCA983D0F8DD}" srcOrd="7" destOrd="0" parTransId="{0E92D3A3-4C75-4AE1-BA86-B2CA95A1079A}" sibTransId="{189EA214-09E8-42CF-B385-341831A28AEE}"/>
+    <dgm:cxn modelId="{066324E5-6BAF-4E53-8923-0533CC8E8A0C}" type="presOf" srcId="{58EBB887-3712-4184-8884-824A8C231139}" destId="{C76A580D-C291-4631-A045-EB76153BCC2F}" srcOrd="0" destOrd="5" presId="urn:microsoft.com/office/officeart/2005/8/layout/vList2"/>
+    <dgm:cxn modelId="{E0BF8094-80EF-4E99-B195-34FAB01C92E6}" srcId="{88DFA985-BD3E-4263-96AD-0F1C064D25CF}" destId="{58EBB887-3712-4184-8884-824A8C231139}" srcOrd="5" destOrd="0" parTransId="{F972060C-9445-4E2D-B80D-5DC5AA5FB6E5}" sibTransId="{7387CBA4-88E5-47D9-B88B-D6976682E3D8}"/>
     <dgm:cxn modelId="{4D39BDA0-A5BB-4BC2-AAFF-5ED6ECC20A76}" srcId="{88DFA985-BD3E-4263-96AD-0F1C064D25CF}" destId="{F3AC3608-12D0-4764-81C1-783E9B67440D}" srcOrd="2" destOrd="0" parTransId="{F109156E-1914-4B1A-B2A4-C84A1A29EEF5}" sibTransId="{36F78D2C-C7D9-4C95-896D-1F4D00D9D305}"/>
-    <dgm:cxn modelId="{2E7A4888-61A1-4D60-B721-89330D987675}" srcId="{88DFA985-BD3E-4263-96AD-0F1C064D25CF}" destId="{D809D3C3-87B4-4F20-9CF5-DCA983D0F8DD}" srcOrd="5" destOrd="0" parTransId="{0E92D3A3-4C75-4AE1-BA86-B2CA95A1079A}" sibTransId="{189EA214-09E8-42CF-B385-341831A28AEE}"/>
     <dgm:cxn modelId="{7E14ED74-0BFA-4033-9190-50345A78CF82}" type="presOf" srcId="{88DFA985-BD3E-4263-96AD-0F1C064D25CF}" destId="{A35FE106-4E80-4AD6-B9D0-BBD92D52D77F}" srcOrd="0" destOrd="0" presId="urn:microsoft.com/office/officeart/2005/8/layout/vList2"/>
     <dgm:cxn modelId="{A45B92E6-07B6-4302-8D3F-8D2E1C2C8705}" srcId="{88DFA985-BD3E-4263-96AD-0F1C064D25CF}" destId="{BA9376CB-134F-4DB3-AAB0-B53CB26812EF}" srcOrd="1" destOrd="0" parTransId="{4FB0065C-CB52-49B3-96ED-ABA409D8FA0A}" sibTransId="{0AA33C11-78E7-4225-B8CF-94EF536AC516}"/>
     <dgm:cxn modelId="{953DFD51-0116-4578-BEFE-52083E39D230}" type="presOf" srcId="{37930E5D-160D-4EE1-940F-69C9734B304E}" destId="{C76A580D-C291-4631-A045-EB76153BCC2F}" srcOrd="0" destOrd="0" presId="urn:microsoft.com/office/officeart/2005/8/layout/vList2"/>
-    <dgm:cxn modelId="{DE09162A-C682-4782-9421-EC8C001B01AE}" type="presOf" srcId="{D809D3C3-87B4-4F20-9CF5-DCA983D0F8DD}" destId="{C76A580D-C291-4631-A045-EB76153BCC2F}" srcOrd="0" destOrd="5" presId="urn:microsoft.com/office/officeart/2005/8/layout/vList2"/>
+    <dgm:cxn modelId="{DE09162A-C682-4782-9421-EC8C001B01AE}" type="presOf" srcId="{D809D3C3-87B4-4F20-9CF5-DCA983D0F8DD}" destId="{C76A580D-C291-4631-A045-EB76153BCC2F}" srcOrd="0" destOrd="7" presId="urn:microsoft.com/office/officeart/2005/8/layout/vList2"/>
     <dgm:cxn modelId="{474BB1BC-2C66-4CC3-AF2B-535435128747}" type="presOf" srcId="{F3AC3608-12D0-4764-81C1-783E9B67440D}" destId="{C76A580D-C291-4631-A045-EB76153BCC2F}" srcOrd="0" destOrd="2" presId="urn:microsoft.com/office/officeart/2005/8/layout/vList2"/>
+    <dgm:cxn modelId="{7F9E0159-72E1-4F32-965B-0E2146A204B2}" srcId="{F4853566-61F6-4CF3-8753-932B857FA12D}" destId="{88DFA985-BD3E-4263-96AD-0F1C064D25CF}" srcOrd="0" destOrd="0" parTransId="{AD2DD890-E303-4670-BA2F-9BDBB81EC314}" sibTransId="{B17A4E29-F90A-42A6-8443-F98063155FDC}"/>
     <dgm:cxn modelId="{E226BC2B-9B49-4D3A-AF61-82EF28535694}" type="presOf" srcId="{BA9376CB-134F-4DB3-AAB0-B53CB26812EF}" destId="{C76A580D-C291-4631-A045-EB76153BCC2F}" srcOrd="0" destOrd="1" presId="urn:microsoft.com/office/officeart/2005/8/layout/vList2"/>
-    <dgm:cxn modelId="{7F9E0159-72E1-4F32-965B-0E2146A204B2}" srcId="{F4853566-61F6-4CF3-8753-932B857FA12D}" destId="{88DFA985-BD3E-4263-96AD-0F1C064D25CF}" srcOrd="0" destOrd="0" parTransId="{AD2DD890-E303-4670-BA2F-9BDBB81EC314}" sibTransId="{B17A4E29-F90A-42A6-8443-F98063155FDC}"/>
     <dgm:cxn modelId="{98645270-C45D-430F-9619-F973E763D1AA}" type="presOf" srcId="{6FF3FC1D-0F77-4D7F-9A1B-D4E3AF35D2BF}" destId="{C76A580D-C291-4631-A045-EB76153BCC2F}" srcOrd="0" destOrd="4" presId="urn:microsoft.com/office/officeart/2005/8/layout/vList2"/>
     <dgm:cxn modelId="{4CFA52CB-06A6-4647-B303-9FE4F91AE4DD}" srcId="{88DFA985-BD3E-4263-96AD-0F1C064D25CF}" destId="{256CC090-EB33-4FAA-A81E-27EC6A558586}" srcOrd="3" destOrd="0" parTransId="{73031E9D-8149-402D-82C4-9FD6995B62B7}" sibTransId="{EC28957F-5080-4D14-AD3A-D04E9BF354A5}"/>
     <dgm:cxn modelId="{12ABC9DE-9E36-4840-B7E5-C79541AA049E}" type="presOf" srcId="{256CC090-EB33-4FAA-A81E-27EC6A558586}" destId="{C76A580D-C291-4631-A045-EB76153BCC2F}" srcOrd="0" destOrd="3" presId="urn:microsoft.com/office/officeart/2005/8/layout/vList2"/>
@@ -1150,8 +1341,8 @@
       </dsp:nvSpPr>
       <dsp:spPr>
         <a:xfrm>
-          <a:off x="0" y="9603"/>
-          <a:ext cx="8128000" cy="1263600"/>
+          <a:off x="0" y="44433"/>
+          <a:ext cx="9256734" cy="982799"/>
         </a:xfrm>
         <a:prstGeom prst="roundRect">
           <a:avLst/>
@@ -1192,12 +1383,12 @@
         </a:fontRef>
       </dsp:style>
       <dsp:txBody>
-        <a:bodyPr spcFirstLastPara="0" vert="horz" wrap="square" lIns="205740" tIns="205740" rIns="205740" bIns="205740" numCol="1" spcCol="1270" anchor="ctr" anchorCtr="0">
+        <a:bodyPr spcFirstLastPara="0" vert="horz" wrap="square" lIns="160020" tIns="160020" rIns="160020" bIns="160020" numCol="1" spcCol="1270" anchor="ctr" anchorCtr="0">
           <a:noAutofit/>
         </a:bodyPr>
         <a:lstStyle/>
         <a:p>
-          <a:pPr lvl="0" algn="l" defTabSz="2400300">
+          <a:pPr lvl="0" algn="l" defTabSz="1866900">
             <a:lnSpc>
               <a:spcPct val="90000"/>
             </a:lnSpc>
@@ -1209,15 +1400,15 @@
             </a:spcAft>
           </a:pPr>
           <a:r>
-            <a:rPr lang="fr-FR" sz="5400" kern="1200" dirty="0" smtClean="0"/>
+            <a:rPr lang="fr-FR" sz="4200" kern="1200" dirty="0" smtClean="0"/>
             <a:t>Plan:</a:t>
           </a:r>
-          <a:endParaRPr lang="fr-FR" sz="5400" kern="1200" dirty="0"/>
+          <a:endParaRPr lang="fr-FR" sz="4200" kern="1200" dirty="0"/>
         </a:p>
       </dsp:txBody>
       <dsp:txXfrm>
-        <a:off x="61684" y="71287"/>
-        <a:ext cx="8004632" cy="1140232"/>
+        <a:off x="47976" y="92409"/>
+        <a:ext cx="9160782" cy="886847"/>
       </dsp:txXfrm>
     </dsp:sp>
     <dsp:sp modelId="{C76A580D-C291-4631-A045-EB76153BCC2F}">
@@ -1227,8 +1418,8 @@
       </dsp:nvSpPr>
       <dsp:spPr>
         <a:xfrm>
-          <a:off x="0" y="1273203"/>
-          <a:ext cx="8128000" cy="4135859"/>
+          <a:off x="0" y="1027233"/>
+          <a:ext cx="9256734" cy="4347000"/>
         </a:xfrm>
         <a:prstGeom prst="rect">
           <a:avLst/>
@@ -1252,12 +1443,12 @@
         <a:fontRef idx="minor"/>
       </dsp:style>
       <dsp:txBody>
-        <a:bodyPr spcFirstLastPara="0" vert="horz" wrap="square" lIns="258064" tIns="68580" rIns="384048" bIns="68580" numCol="1" spcCol="1270" anchor="t" anchorCtr="0">
+        <a:bodyPr spcFirstLastPara="0" vert="horz" wrap="square" lIns="293901" tIns="53340" rIns="298704" bIns="53340" numCol="1" spcCol="1270" anchor="t" anchorCtr="0">
           <a:noAutofit/>
         </a:bodyPr>
         <a:lstStyle/>
         <a:p>
-          <a:pPr marL="285750" lvl="1" indent="-285750" algn="l" defTabSz="1866900">
+          <a:pPr marL="285750" lvl="1" indent="-285750" algn="l" defTabSz="1466850">
             <a:lnSpc>
               <a:spcPct val="90000"/>
             </a:lnSpc>
@@ -1270,13 +1461,13 @@
             <a:buChar char="••"/>
           </a:pPr>
           <a:r>
-            <a:rPr lang="fr-FR" sz="4200" kern="1200" dirty="0" smtClean="0"/>
-            <a:t>Introduction</a:t>
+            <a:rPr lang="fr-FR" sz="3300" kern="1200" dirty="0" smtClean="0"/>
+            <a:t>Introduction.</a:t>
           </a:r>
-          <a:endParaRPr lang="fr-FR" sz="4200" kern="1200" dirty="0"/>
+          <a:endParaRPr lang="fr-FR" sz="3300" kern="1200" dirty="0"/>
         </a:p>
         <a:p>
-          <a:pPr marL="285750" lvl="1" indent="-285750" algn="l" defTabSz="1866900">
+          <a:pPr marL="285750" lvl="1" indent="-285750" algn="l" defTabSz="1466850">
             <a:lnSpc>
               <a:spcPct val="90000"/>
             </a:lnSpc>
@@ -1289,17 +1480,21 @@
             <a:buChar char="••"/>
           </a:pPr>
           <a:r>
-            <a:rPr lang="fr-FR" sz="4200" kern="1200" dirty="0" smtClean="0"/>
+            <a:rPr lang="fr-FR" sz="3300" kern="1200" dirty="0" smtClean="0"/>
             <a:t>Cloud </a:t>
           </a:r>
           <a:r>
-            <a:rPr lang="fr-FR" sz="4200" kern="1200" dirty="0" err="1" smtClean="0"/>
+            <a:rPr lang="fr-FR" sz="3300" kern="1200" dirty="0" err="1" smtClean="0"/>
             <a:t>compution</a:t>
           </a:r>
-          <a:endParaRPr lang="fr-FR" sz="4200" kern="1200" dirty="0"/>
+          <a:r>
+            <a:rPr lang="fr-FR" sz="3300" kern="1200" dirty="0" smtClean="0"/>
+            <a:t> .</a:t>
+          </a:r>
+          <a:endParaRPr lang="fr-FR" sz="3300" kern="1200" dirty="0"/>
         </a:p>
         <a:p>
-          <a:pPr marL="285750" lvl="1" indent="-285750" algn="l" defTabSz="1866900">
+          <a:pPr marL="285750" lvl="1" indent="-285750" algn="l" defTabSz="1466850">
             <a:lnSpc>
               <a:spcPct val="90000"/>
             </a:lnSpc>
@@ -1312,17 +1507,13 @@
             <a:buChar char="••"/>
           </a:pPr>
           <a:r>
-            <a:rPr lang="fr-FR" sz="4200" kern="1200" dirty="0" smtClean="0"/>
-            <a:t>Google </a:t>
+            <a:rPr lang="fr-FR" sz="3300" kern="1200" dirty="0" smtClean="0"/>
+            <a:t>Amazon Web Services (AWS) .</a:t>
           </a:r>
-          <a:r>
-            <a:rPr lang="fr-FR" sz="4200" kern="1200" dirty="0" err="1" smtClean="0"/>
-            <a:t>cloud</a:t>
-          </a:r>
-          <a:endParaRPr lang="fr-FR" sz="4200" kern="1200" dirty="0"/>
+          <a:endParaRPr lang="fr-FR" sz="3300" kern="1200" dirty="0"/>
         </a:p>
         <a:p>
-          <a:pPr marL="285750" lvl="1" indent="-285750" algn="l" defTabSz="1866900">
+          <a:pPr marL="285750" lvl="1" indent="-285750" algn="l" defTabSz="1466850">
             <a:lnSpc>
               <a:spcPct val="90000"/>
             </a:lnSpc>
@@ -1335,17 +1526,13 @@
             <a:buChar char="••"/>
           </a:pPr>
           <a:r>
-            <a:rPr lang="fr-FR" sz="4200" kern="1200" dirty="0" smtClean="0"/>
-            <a:t>Amazon </a:t>
+            <a:rPr lang="fr-FR" sz="3300" kern="1200" dirty="0" smtClean="0"/>
+            <a:t>Microsoft Azure .</a:t>
           </a:r>
-          <a:r>
-            <a:rPr lang="fr-FR" sz="4200" kern="1200" dirty="0" err="1" smtClean="0"/>
-            <a:t>cloud</a:t>
-          </a:r>
-          <a:endParaRPr lang="fr-FR" sz="4200" kern="1200" dirty="0"/>
+          <a:endParaRPr lang="fr-FR" sz="3300" kern="1200" dirty="0"/>
         </a:p>
         <a:p>
-          <a:pPr marL="285750" lvl="1" indent="-285750" algn="l" defTabSz="1866900">
+          <a:pPr marL="285750" lvl="1" indent="-285750" algn="l" defTabSz="1466850">
             <a:lnSpc>
               <a:spcPct val="90000"/>
             </a:lnSpc>
@@ -1358,21 +1545,25 @@
             <a:buChar char="••"/>
           </a:pPr>
           <a:r>
-            <a:rPr lang="fr-FR" sz="4200" kern="1200" dirty="0" smtClean="0"/>
+            <a:rPr lang="fr-FR" sz="3300" kern="1200" dirty="0" smtClean="0"/>
             <a:t>IBM </a:t>
           </a:r>
           <a:r>
-            <a:rPr lang="fr-FR" sz="4200" kern="1200" dirty="0" err="1" smtClean="0"/>
+            <a:rPr lang="fr-FR" sz="3300" kern="1200" dirty="0" err="1" smtClean="0"/>
             <a:t>cloud</a:t>
           </a:r>
           <a:r>
-            <a:rPr lang="fr-FR" sz="4200" kern="1200" dirty="0" smtClean="0"/>
+            <a:rPr lang="fr-FR" sz="3300" kern="1200" dirty="0" smtClean="0"/>
             <a:t> </a:t>
           </a:r>
-          <a:endParaRPr lang="fr-FR" sz="4200" kern="1200" dirty="0"/>
+          <a:r>
+            <a:rPr lang="fr-FR" sz="3300" kern="1200" dirty="0" smtClean="0"/>
+            <a:t>.</a:t>
+          </a:r>
+          <a:endParaRPr lang="fr-FR" sz="3300" kern="1200" dirty="0"/>
         </a:p>
         <a:p>
-          <a:pPr marL="285750" lvl="1" indent="-285750" algn="l" defTabSz="1866900">
+          <a:pPr marL="285750" lvl="1" indent="-285750" algn="l" defTabSz="1466850">
             <a:lnSpc>
               <a:spcPct val="90000"/>
             </a:lnSpc>
@@ -1385,15 +1576,74 @@
             <a:buChar char="••"/>
           </a:pPr>
           <a:r>
-            <a:rPr lang="fr-FR" sz="4200" kern="1200" dirty="0" smtClean="0"/>
-            <a:t>conclusion</a:t>
+            <a:rPr lang="fr-FR" sz="3300" b="0" kern="1200" cap="none" spc="0" dirty="0" smtClean="0">
+              <a:ln w="0"/>
+              <a:solidFill>
+                <a:schemeClr val="tx1"/>
+              </a:solidFill>
+              <a:effectLst>
+                <a:outerShdw blurRad="38100" dist="19050" dir="2700000" algn="tl" rotWithShape="0">
+                  <a:schemeClr val="dk1">
+                    <a:alpha val="40000"/>
+                  </a:schemeClr>
+                </a:outerShdw>
+              </a:effectLst>
+            </a:rPr>
+            <a:t>Google Cloud .</a:t>
           </a:r>
-          <a:endParaRPr lang="fr-FR" sz="4200" kern="1200" dirty="0"/>
+          <a:endParaRPr lang="fr-FR" sz="3300" kern="1200" dirty="0"/>
+        </a:p>
+        <a:p>
+          <a:pPr marL="285750" lvl="1" indent="-285750" algn="l" defTabSz="1466850">
+            <a:lnSpc>
+              <a:spcPct val="90000"/>
+            </a:lnSpc>
+            <a:spcBef>
+              <a:spcPct val="0"/>
+            </a:spcBef>
+            <a:spcAft>
+              <a:spcPct val="20000"/>
+            </a:spcAft>
+            <a:buChar char="••"/>
+          </a:pPr>
+          <a:r>
+            <a:rPr lang="fr-FR" sz="3300" kern="1200" dirty="0" smtClean="0">
+              <a:ln w="0"/>
+              <a:effectLst>
+                <a:outerShdw blurRad="38100" dist="19050" dir="2700000" algn="tl" rotWithShape="0">
+                  <a:schemeClr val="dk1">
+                    <a:alpha val="40000"/>
+                  </a:schemeClr>
+                </a:outerShdw>
+              </a:effectLst>
+            </a:rPr>
+            <a:t>Comparaison entre les plateforme .</a:t>
+          </a:r>
+          <a:endParaRPr lang="fr-FR" sz="3300" kern="1200" dirty="0"/>
+        </a:p>
+        <a:p>
+          <a:pPr marL="285750" lvl="1" indent="-285750" algn="l" defTabSz="1466850">
+            <a:lnSpc>
+              <a:spcPct val="90000"/>
+            </a:lnSpc>
+            <a:spcBef>
+              <a:spcPct val="0"/>
+            </a:spcBef>
+            <a:spcAft>
+              <a:spcPct val="20000"/>
+            </a:spcAft>
+            <a:buChar char="••"/>
+          </a:pPr>
+          <a:r>
+            <a:rPr lang="fr-FR" sz="3300" kern="1200" dirty="0" smtClean="0"/>
+            <a:t>Conclusion .</a:t>
+          </a:r>
+          <a:endParaRPr lang="fr-FR" sz="3300" kern="1200" dirty="0"/>
         </a:p>
       </dsp:txBody>
       <dsp:txXfrm>
-        <a:off x="0" y="1273203"/>
-        <a:ext cx="8128000" cy="4135859"/>
+        <a:off x="0" y="1027233"/>
+        <a:ext cx="9256734" cy="4347000"/>
       </dsp:txXfrm>
     </dsp:sp>
   </dsp:spTree>
@@ -2599,6 +2849,607 @@
     </dgm:style>
   </dgm:styleLbl>
 </dgm:styleDef>
+</file>
+
+<file path=ppt/handoutMasters/handoutMaster1.xml><?xml version="1.0" encoding="utf-8"?>
+<p:handoutMaster xmlns:a="http://schemas.openxmlformats.org/drawingml/2006/main" xmlns:r="http://schemas.openxmlformats.org/officeDocument/2006/relationships" xmlns:p="http://schemas.openxmlformats.org/presentationml/2006/main">
+  <p:cSld>
+    <p:bg>
+      <p:bgRef idx="1001">
+        <a:schemeClr val="bg1"/>
+      </p:bgRef>
+    </p:bg>
+    <p:spTree>
+      <p:nvGrpSpPr>
+        <p:cNvPr id="1" name=""/>
+        <p:cNvGrpSpPr/>
+        <p:nvPr/>
+      </p:nvGrpSpPr>
+      <p:grpSpPr>
+        <a:xfrm>
+          <a:off x="0" y="0"/>
+          <a:ext cx="0" cy="0"/>
+          <a:chOff x="0" y="0"/>
+          <a:chExt cx="0" cy="0"/>
+        </a:xfrm>
+      </p:grpSpPr>
+      <p:sp>
+        <p:nvSpPr>
+          <p:cNvPr id="2" name="Espace réservé de l'en-tête 1"/>
+          <p:cNvSpPr>
+            <a:spLocks noGrp="1"/>
+          </p:cNvSpPr>
+          <p:nvPr>
+            <p:ph type="hdr" sz="quarter"/>
+          </p:nvPr>
+        </p:nvSpPr>
+        <p:spPr>
+          <a:xfrm>
+            <a:off x="0" y="0"/>
+            <a:ext cx="2971800" cy="458788"/>
+          </a:xfrm>
+          <a:prstGeom prst="rect">
+            <a:avLst/>
+          </a:prstGeom>
+        </p:spPr>
+        <p:txBody>
+          <a:bodyPr vert="horz" lIns="91440" tIns="45720" rIns="91440" bIns="45720" rtlCol="0"/>
+          <a:lstStyle>
+            <a:lvl1pPr algn="l">
+              <a:defRPr sz="1200"/>
+            </a:lvl1pPr>
+          </a:lstStyle>
+          <a:p>
+            <a:endParaRPr lang="fr-FR"/>
+          </a:p>
+        </p:txBody>
+      </p:sp>
+      <p:sp>
+        <p:nvSpPr>
+          <p:cNvPr id="3" name="Espace réservé de la date 2"/>
+          <p:cNvSpPr>
+            <a:spLocks noGrp="1"/>
+          </p:cNvSpPr>
+          <p:nvPr>
+            <p:ph type="dt" sz="quarter" idx="1"/>
+          </p:nvPr>
+        </p:nvSpPr>
+        <p:spPr>
+          <a:xfrm>
+            <a:off x="3884613" y="0"/>
+            <a:ext cx="2971800" cy="458788"/>
+          </a:xfrm>
+          <a:prstGeom prst="rect">
+            <a:avLst/>
+          </a:prstGeom>
+        </p:spPr>
+        <p:txBody>
+          <a:bodyPr vert="horz" lIns="91440" tIns="45720" rIns="91440" bIns="45720" rtlCol="0"/>
+          <a:lstStyle>
+            <a:lvl1pPr algn="r">
+              <a:defRPr sz="1200"/>
+            </a:lvl1pPr>
+          </a:lstStyle>
+          <a:p>
+            <a:fld id="{642F99F9-C9D2-4853-9D9F-738F5231C8EF}" type="datetimeFigureOut">
+              <a:rPr lang="fr-FR" smtClean="0"/>
+              <a:t>30/04/2018</a:t>
+            </a:fld>
+            <a:endParaRPr lang="fr-FR"/>
+          </a:p>
+        </p:txBody>
+      </p:sp>
+      <p:sp>
+        <p:nvSpPr>
+          <p:cNvPr id="4" name="Espace réservé du pied de page 3"/>
+          <p:cNvSpPr>
+            <a:spLocks noGrp="1"/>
+          </p:cNvSpPr>
+          <p:nvPr>
+            <p:ph type="ftr" sz="quarter" idx="2"/>
+          </p:nvPr>
+        </p:nvSpPr>
+        <p:spPr>
+          <a:xfrm>
+            <a:off x="0" y="8685213"/>
+            <a:ext cx="2971800" cy="458787"/>
+          </a:xfrm>
+          <a:prstGeom prst="rect">
+            <a:avLst/>
+          </a:prstGeom>
+        </p:spPr>
+        <p:txBody>
+          <a:bodyPr vert="horz" lIns="91440" tIns="45720" rIns="91440" bIns="45720" rtlCol="0" anchor="b"/>
+          <a:lstStyle>
+            <a:lvl1pPr algn="l">
+              <a:defRPr sz="1200"/>
+            </a:lvl1pPr>
+          </a:lstStyle>
+          <a:p>
+            <a:endParaRPr lang="fr-FR"/>
+          </a:p>
+        </p:txBody>
+      </p:sp>
+      <p:sp>
+        <p:nvSpPr>
+          <p:cNvPr id="5" name="Espace réservé du numéro de diapositive 4"/>
+          <p:cNvSpPr>
+            <a:spLocks noGrp="1"/>
+          </p:cNvSpPr>
+          <p:nvPr>
+            <p:ph type="sldNum" sz="quarter" idx="3"/>
+          </p:nvPr>
+        </p:nvSpPr>
+        <p:spPr>
+          <a:xfrm>
+            <a:off x="3884613" y="8685213"/>
+            <a:ext cx="2971800" cy="458787"/>
+          </a:xfrm>
+          <a:prstGeom prst="rect">
+            <a:avLst/>
+          </a:prstGeom>
+        </p:spPr>
+        <p:txBody>
+          <a:bodyPr vert="horz" lIns="91440" tIns="45720" rIns="91440" bIns="45720" rtlCol="0" anchor="b"/>
+          <a:lstStyle>
+            <a:lvl1pPr algn="r">
+              <a:defRPr sz="1200"/>
+            </a:lvl1pPr>
+          </a:lstStyle>
+          <a:p>
+            <a:fld id="{CAC7F91B-5710-407F-A1CA-5A0EF08F4B97}" type="slidenum">
+              <a:rPr lang="fr-FR" smtClean="0"/>
+              <a:t>‹N°›</a:t>
+            </a:fld>
+            <a:endParaRPr lang="fr-FR"/>
+          </a:p>
+        </p:txBody>
+      </p:sp>
+    </p:spTree>
+    <p:extLst>
+      <p:ext uri="{BB962C8B-B14F-4D97-AF65-F5344CB8AC3E}">
+        <p14:creationId xmlns:p14="http://schemas.microsoft.com/office/powerpoint/2010/main" val="2664929790"/>
+      </p:ext>
+    </p:extLst>
+  </p:cSld>
+  <p:clrMap bg1="lt1" tx1="dk1" bg2="lt2" tx2="dk2" accent1="accent1" accent2="accent2" accent3="accent3" accent4="accent4" accent5="accent5" accent6="accent6" hlink="hlink" folHlink="folHlink"/>
+  <p:hf hdr="0" ftr="0" dt="0"/>
+</p:handoutMaster>
+</file>
+
+<file path=ppt/notesMasters/notesMaster1.xml><?xml version="1.0" encoding="utf-8"?>
+<p:notesMaster xmlns:a="http://schemas.openxmlformats.org/drawingml/2006/main" xmlns:r="http://schemas.openxmlformats.org/officeDocument/2006/relationships" xmlns:p="http://schemas.openxmlformats.org/presentationml/2006/main">
+  <p:cSld>
+    <p:bg>
+      <p:bgRef idx="1001">
+        <a:schemeClr val="bg1"/>
+      </p:bgRef>
+    </p:bg>
+    <p:spTree>
+      <p:nvGrpSpPr>
+        <p:cNvPr id="1" name=""/>
+        <p:cNvGrpSpPr/>
+        <p:nvPr/>
+      </p:nvGrpSpPr>
+      <p:grpSpPr>
+        <a:xfrm>
+          <a:off x="0" y="0"/>
+          <a:ext cx="0" cy="0"/>
+          <a:chOff x="0" y="0"/>
+          <a:chExt cx="0" cy="0"/>
+        </a:xfrm>
+      </p:grpSpPr>
+      <p:sp>
+        <p:nvSpPr>
+          <p:cNvPr id="2" name="Espace réservé de l'en-tête 1"/>
+          <p:cNvSpPr>
+            <a:spLocks noGrp="1"/>
+          </p:cNvSpPr>
+          <p:nvPr>
+            <p:ph type="hdr" sz="quarter"/>
+          </p:nvPr>
+        </p:nvSpPr>
+        <p:spPr>
+          <a:xfrm>
+            <a:off x="0" y="0"/>
+            <a:ext cx="2971800" cy="458788"/>
+          </a:xfrm>
+          <a:prstGeom prst="rect">
+            <a:avLst/>
+          </a:prstGeom>
+        </p:spPr>
+        <p:txBody>
+          <a:bodyPr vert="horz" lIns="91440" tIns="45720" rIns="91440" bIns="45720" rtlCol="0"/>
+          <a:lstStyle>
+            <a:lvl1pPr algn="l">
+              <a:defRPr sz="1200"/>
+            </a:lvl1pPr>
+          </a:lstStyle>
+          <a:p>
+            <a:endParaRPr lang="fr-FR"/>
+          </a:p>
+        </p:txBody>
+      </p:sp>
+      <p:sp>
+        <p:nvSpPr>
+          <p:cNvPr id="3" name="Espace réservé de la date 2"/>
+          <p:cNvSpPr>
+            <a:spLocks noGrp="1"/>
+          </p:cNvSpPr>
+          <p:nvPr>
+            <p:ph type="dt" idx="1"/>
+          </p:nvPr>
+        </p:nvSpPr>
+        <p:spPr>
+          <a:xfrm>
+            <a:off x="3884613" y="0"/>
+            <a:ext cx="2971800" cy="458788"/>
+          </a:xfrm>
+          <a:prstGeom prst="rect">
+            <a:avLst/>
+          </a:prstGeom>
+        </p:spPr>
+        <p:txBody>
+          <a:bodyPr vert="horz" lIns="91440" tIns="45720" rIns="91440" bIns="45720" rtlCol="0"/>
+          <a:lstStyle>
+            <a:lvl1pPr algn="r">
+              <a:defRPr sz="1200"/>
+            </a:lvl1pPr>
+          </a:lstStyle>
+          <a:p>
+            <a:fld id="{CC5BEB40-B5D7-4285-851D-203EBB900C3A}" type="datetimeFigureOut">
+              <a:rPr lang="fr-FR" smtClean="0"/>
+              <a:t>30/04/2018</a:t>
+            </a:fld>
+            <a:endParaRPr lang="fr-FR"/>
+          </a:p>
+        </p:txBody>
+      </p:sp>
+      <p:sp>
+        <p:nvSpPr>
+          <p:cNvPr id="4" name="Espace réservé de l'image des diapositives 3"/>
+          <p:cNvSpPr>
+            <a:spLocks noGrp="1" noRot="1" noChangeAspect="1"/>
+          </p:cNvSpPr>
+          <p:nvPr>
+            <p:ph type="sldImg" idx="2"/>
+          </p:nvPr>
+        </p:nvSpPr>
+        <p:spPr>
+          <a:xfrm>
+            <a:off x="685800" y="1143000"/>
+            <a:ext cx="5486400" cy="3086100"/>
+          </a:xfrm>
+          <a:prstGeom prst="rect">
+            <a:avLst/>
+          </a:prstGeom>
+          <a:noFill/>
+          <a:ln w="12700">
+            <a:solidFill>
+              <a:prstClr val="black"/>
+            </a:solidFill>
+          </a:ln>
+        </p:spPr>
+        <p:txBody>
+          <a:bodyPr vert="horz" lIns="91440" tIns="45720" rIns="91440" bIns="45720" rtlCol="0" anchor="ctr"/>
+          <a:lstStyle/>
+          <a:p>
+            <a:endParaRPr lang="fr-FR"/>
+          </a:p>
+        </p:txBody>
+      </p:sp>
+      <p:sp>
+        <p:nvSpPr>
+          <p:cNvPr id="5" name="Espace réservé des commentaires 4"/>
+          <p:cNvSpPr>
+            <a:spLocks noGrp="1"/>
+          </p:cNvSpPr>
+          <p:nvPr>
+            <p:ph type="body" sz="quarter" idx="3"/>
+          </p:nvPr>
+        </p:nvSpPr>
+        <p:spPr>
+          <a:xfrm>
+            <a:off x="685800" y="4400550"/>
+            <a:ext cx="5486400" cy="3600450"/>
+          </a:xfrm>
+          <a:prstGeom prst="rect">
+            <a:avLst/>
+          </a:prstGeom>
+        </p:spPr>
+        <p:txBody>
+          <a:bodyPr vert="horz" lIns="91440" tIns="45720" rIns="91440" bIns="45720" rtlCol="0"/>
+          <a:lstStyle/>
+          <a:p>
+            <a:pPr lvl="0"/>
+            <a:r>
+              <a:rPr lang="fr-FR" smtClean="0"/>
+              <a:t>Modifiez les styles du texte du masque</a:t>
+            </a:r>
+          </a:p>
+          <a:p>
+            <a:pPr lvl="1"/>
+            <a:r>
+              <a:rPr lang="fr-FR" smtClean="0"/>
+              <a:t>Deuxième niveau</a:t>
+            </a:r>
+          </a:p>
+          <a:p>
+            <a:pPr lvl="2"/>
+            <a:r>
+              <a:rPr lang="fr-FR" smtClean="0"/>
+              <a:t>Troisième niveau</a:t>
+            </a:r>
+          </a:p>
+          <a:p>
+            <a:pPr lvl="3"/>
+            <a:r>
+              <a:rPr lang="fr-FR" smtClean="0"/>
+              <a:t>Quatrième niveau</a:t>
+            </a:r>
+          </a:p>
+          <a:p>
+            <a:pPr lvl="4"/>
+            <a:r>
+              <a:rPr lang="fr-FR" smtClean="0"/>
+              <a:t>Cinquième niveau</a:t>
+            </a:r>
+            <a:endParaRPr lang="fr-FR"/>
+          </a:p>
+        </p:txBody>
+      </p:sp>
+      <p:sp>
+        <p:nvSpPr>
+          <p:cNvPr id="6" name="Espace réservé du pied de page 5"/>
+          <p:cNvSpPr>
+            <a:spLocks noGrp="1"/>
+          </p:cNvSpPr>
+          <p:nvPr>
+            <p:ph type="ftr" sz="quarter" idx="4"/>
+          </p:nvPr>
+        </p:nvSpPr>
+        <p:spPr>
+          <a:xfrm>
+            <a:off x="0" y="8685213"/>
+            <a:ext cx="2971800" cy="458787"/>
+          </a:xfrm>
+          <a:prstGeom prst="rect">
+            <a:avLst/>
+          </a:prstGeom>
+        </p:spPr>
+        <p:txBody>
+          <a:bodyPr vert="horz" lIns="91440" tIns="45720" rIns="91440" bIns="45720" rtlCol="0" anchor="b"/>
+          <a:lstStyle>
+            <a:lvl1pPr algn="l">
+              <a:defRPr sz="1200"/>
+            </a:lvl1pPr>
+          </a:lstStyle>
+          <a:p>
+            <a:endParaRPr lang="fr-FR"/>
+          </a:p>
+        </p:txBody>
+      </p:sp>
+      <p:sp>
+        <p:nvSpPr>
+          <p:cNvPr id="7" name="Espace réservé du numéro de diapositive 6"/>
+          <p:cNvSpPr>
+            <a:spLocks noGrp="1"/>
+          </p:cNvSpPr>
+          <p:nvPr>
+            <p:ph type="sldNum" sz="quarter" idx="5"/>
+          </p:nvPr>
+        </p:nvSpPr>
+        <p:spPr>
+          <a:xfrm>
+            <a:off x="3884613" y="8685213"/>
+            <a:ext cx="2971800" cy="458787"/>
+          </a:xfrm>
+          <a:prstGeom prst="rect">
+            <a:avLst/>
+          </a:prstGeom>
+        </p:spPr>
+        <p:txBody>
+          <a:bodyPr vert="horz" lIns="91440" tIns="45720" rIns="91440" bIns="45720" rtlCol="0" anchor="b"/>
+          <a:lstStyle>
+            <a:lvl1pPr algn="r">
+              <a:defRPr sz="1200"/>
+            </a:lvl1pPr>
+          </a:lstStyle>
+          <a:p>
+            <a:fld id="{550926A6-F398-4EF4-A96E-858793230186}" type="slidenum">
+              <a:rPr lang="fr-FR" smtClean="0"/>
+              <a:t>‹N°›</a:t>
+            </a:fld>
+            <a:endParaRPr lang="fr-FR"/>
+          </a:p>
+        </p:txBody>
+      </p:sp>
+    </p:spTree>
+    <p:extLst>
+      <p:ext uri="{BB962C8B-B14F-4D97-AF65-F5344CB8AC3E}">
+        <p14:creationId xmlns:p14="http://schemas.microsoft.com/office/powerpoint/2010/main" val="4033801558"/>
+      </p:ext>
+    </p:extLst>
+  </p:cSld>
+  <p:clrMap bg1="lt1" tx1="dk1" bg2="lt2" tx2="dk2" accent1="accent1" accent2="accent2" accent3="accent3" accent4="accent4" accent5="accent5" accent6="accent6" hlink="hlink" folHlink="folHlink"/>
+  <p:hf hdr="0" ftr="0" dt="0"/>
+  <p:notesStyle>
+    <a:lvl1pPr marL="0" algn="l" defTabSz="914400" rtl="0" eaLnBrk="1" latinLnBrk="0" hangingPunct="1">
+      <a:defRPr sz="1200" kern="1200">
+        <a:solidFill>
+          <a:schemeClr val="tx1"/>
+        </a:solidFill>
+        <a:latin typeface="+mn-lt"/>
+        <a:ea typeface="+mn-ea"/>
+        <a:cs typeface="+mn-cs"/>
+      </a:defRPr>
+    </a:lvl1pPr>
+    <a:lvl2pPr marL="457200" algn="l" defTabSz="914400" rtl="0" eaLnBrk="1" latinLnBrk="0" hangingPunct="1">
+      <a:defRPr sz="1200" kern="1200">
+        <a:solidFill>
+          <a:schemeClr val="tx1"/>
+        </a:solidFill>
+        <a:latin typeface="+mn-lt"/>
+        <a:ea typeface="+mn-ea"/>
+        <a:cs typeface="+mn-cs"/>
+      </a:defRPr>
+    </a:lvl2pPr>
+    <a:lvl3pPr marL="914400" algn="l" defTabSz="914400" rtl="0" eaLnBrk="1" latinLnBrk="0" hangingPunct="1">
+      <a:defRPr sz="1200" kern="1200">
+        <a:solidFill>
+          <a:schemeClr val="tx1"/>
+        </a:solidFill>
+        <a:latin typeface="+mn-lt"/>
+        <a:ea typeface="+mn-ea"/>
+        <a:cs typeface="+mn-cs"/>
+      </a:defRPr>
+    </a:lvl3pPr>
+    <a:lvl4pPr marL="1371600" algn="l" defTabSz="914400" rtl="0" eaLnBrk="1" latinLnBrk="0" hangingPunct="1">
+      <a:defRPr sz="1200" kern="1200">
+        <a:solidFill>
+          <a:schemeClr val="tx1"/>
+        </a:solidFill>
+        <a:latin typeface="+mn-lt"/>
+        <a:ea typeface="+mn-ea"/>
+        <a:cs typeface="+mn-cs"/>
+      </a:defRPr>
+    </a:lvl4pPr>
+    <a:lvl5pPr marL="1828800" algn="l" defTabSz="914400" rtl="0" eaLnBrk="1" latinLnBrk="0" hangingPunct="1">
+      <a:defRPr sz="1200" kern="1200">
+        <a:solidFill>
+          <a:schemeClr val="tx1"/>
+        </a:solidFill>
+        <a:latin typeface="+mn-lt"/>
+        <a:ea typeface="+mn-ea"/>
+        <a:cs typeface="+mn-cs"/>
+      </a:defRPr>
+    </a:lvl5pPr>
+    <a:lvl6pPr marL="2286000" algn="l" defTabSz="914400" rtl="0" eaLnBrk="1" latinLnBrk="0" hangingPunct="1">
+      <a:defRPr sz="1200" kern="1200">
+        <a:solidFill>
+          <a:schemeClr val="tx1"/>
+        </a:solidFill>
+        <a:latin typeface="+mn-lt"/>
+        <a:ea typeface="+mn-ea"/>
+        <a:cs typeface="+mn-cs"/>
+      </a:defRPr>
+    </a:lvl6pPr>
+    <a:lvl7pPr marL="2743200" algn="l" defTabSz="914400" rtl="0" eaLnBrk="1" latinLnBrk="0" hangingPunct="1">
+      <a:defRPr sz="1200" kern="1200">
+        <a:solidFill>
+          <a:schemeClr val="tx1"/>
+        </a:solidFill>
+        <a:latin typeface="+mn-lt"/>
+        <a:ea typeface="+mn-ea"/>
+        <a:cs typeface="+mn-cs"/>
+      </a:defRPr>
+    </a:lvl7pPr>
+    <a:lvl8pPr marL="3200400" algn="l" defTabSz="914400" rtl="0" eaLnBrk="1" latinLnBrk="0" hangingPunct="1">
+      <a:defRPr sz="1200" kern="1200">
+        <a:solidFill>
+          <a:schemeClr val="tx1"/>
+        </a:solidFill>
+        <a:latin typeface="+mn-lt"/>
+        <a:ea typeface="+mn-ea"/>
+        <a:cs typeface="+mn-cs"/>
+      </a:defRPr>
+    </a:lvl8pPr>
+    <a:lvl9pPr marL="3657600" algn="l" defTabSz="914400" rtl="0" eaLnBrk="1" latinLnBrk="0" hangingPunct="1">
+      <a:defRPr sz="1200" kern="1200">
+        <a:solidFill>
+          <a:schemeClr val="tx1"/>
+        </a:solidFill>
+        <a:latin typeface="+mn-lt"/>
+        <a:ea typeface="+mn-ea"/>
+        <a:cs typeface="+mn-cs"/>
+      </a:defRPr>
+    </a:lvl9pPr>
+  </p:notesStyle>
+</p:notesMaster>
+</file>
+
+<file path=ppt/notesSlides/notesSlide1.xml><?xml version="1.0" encoding="utf-8"?>
+<p:notes xmlns:a="http://schemas.openxmlformats.org/drawingml/2006/main" xmlns:r="http://schemas.openxmlformats.org/officeDocument/2006/relationships" xmlns:p="http://schemas.openxmlformats.org/presentationml/2006/main">
+  <p:cSld>
+    <p:spTree>
+      <p:nvGrpSpPr>
+        <p:cNvPr id="1" name=""/>
+        <p:cNvGrpSpPr/>
+        <p:nvPr/>
+      </p:nvGrpSpPr>
+      <p:grpSpPr>
+        <a:xfrm>
+          <a:off x="0" y="0"/>
+          <a:ext cx="0" cy="0"/>
+          <a:chOff x="0" y="0"/>
+          <a:chExt cx="0" cy="0"/>
+        </a:xfrm>
+      </p:grpSpPr>
+      <p:sp>
+        <p:nvSpPr>
+          <p:cNvPr id="2" name="Espace réservé de l'image des diapositives 1"/>
+          <p:cNvSpPr>
+            <a:spLocks noGrp="1" noRot="1" noChangeAspect="1"/>
+          </p:cNvSpPr>
+          <p:nvPr>
+            <p:ph type="sldImg"/>
+          </p:nvPr>
+        </p:nvSpPr>
+        <p:spPr/>
+      </p:sp>
+      <p:sp>
+        <p:nvSpPr>
+          <p:cNvPr id="3" name="Espace réservé des commentaires 2"/>
+          <p:cNvSpPr>
+            <a:spLocks noGrp="1"/>
+          </p:cNvSpPr>
+          <p:nvPr>
+            <p:ph type="body" idx="1"/>
+          </p:nvPr>
+        </p:nvSpPr>
+        <p:spPr/>
+        <p:txBody>
+          <a:bodyPr/>
+          <a:lstStyle/>
+          <a:p>
+            <a:endParaRPr lang="fr-FR"/>
+          </a:p>
+        </p:txBody>
+      </p:sp>
+      <p:sp>
+        <p:nvSpPr>
+          <p:cNvPr id="4" name="Espace réservé du numéro de diapositive 3"/>
+          <p:cNvSpPr>
+            <a:spLocks noGrp="1"/>
+          </p:cNvSpPr>
+          <p:nvPr>
+            <p:ph type="sldNum" sz="quarter" idx="10"/>
+          </p:nvPr>
+        </p:nvSpPr>
+        <p:spPr/>
+        <p:txBody>
+          <a:bodyPr/>
+          <a:lstStyle/>
+          <a:p>
+            <a:fld id="{550926A6-F398-4EF4-A96E-858793230186}" type="slidenum">
+              <a:rPr lang="fr-FR" smtClean="0"/>
+              <a:t>1</a:t>
+            </a:fld>
+            <a:endParaRPr lang="fr-FR"/>
+          </a:p>
+        </p:txBody>
+      </p:sp>
+    </p:spTree>
+    <p:extLst>
+      <p:ext uri="{BB962C8B-B14F-4D97-AF65-F5344CB8AC3E}">
+        <p14:creationId xmlns:p14="http://schemas.microsoft.com/office/powerpoint/2010/main" val="1177989490"/>
+      </p:ext>
+    </p:extLst>
+  </p:cSld>
+  <p:clrMapOvr>
+    <a:masterClrMapping/>
+  </p:clrMapOvr>
+</p:notes>
 </file>
 
 <file path=ppt/slideLayouts/slideLayout1.xml><?xml version="1.0" encoding="utf-8"?>
@@ -3321,9 +4172,9 @@
           <a:bodyPr/>
           <a:lstStyle/>
           <a:p>
-            <a:fld id="{48A87A34-81AB-432B-8DAE-1953F412C126}" type="datetimeFigureOut">
+            <a:fld id="{24904E44-3F4C-4F84-A974-32F4EC577615}" type="datetime1">
               <a:rPr lang="en-US" smtClean="0"/>
-              <a:t>4/28/2018</a:t>
+              <a:t>4/30/2018</a:t>
             </a:fld>
             <a:endParaRPr lang="en-US" dirty="0"/>
           </a:p>
@@ -3365,6 +4216,7 @@
           <a:p>
             <a:fld id="{6D22F896-40B5-4ADD-8801-0D06FADFA095}" type="slidenum">
               <a:rPr lang="en-US" smtClean="0"/>
+              <a:pPr/>
               <a:t>‹N°›</a:t>
             </a:fld>
             <a:endParaRPr lang="en-US" dirty="0"/>
@@ -3572,10 +4424,9 @@
           <a:bodyPr/>
           <a:lstStyle/>
           <a:p>
-            <a:fld id="{48A87A34-81AB-432B-8DAE-1953F412C126}" type="datetimeFigureOut">
+            <a:fld id="{A23C2E3C-5920-4B7F-8A93-D0AB2C43F97D}" type="datetime1">
               <a:rPr lang="en-US" smtClean="0"/>
-              <a:pPr/>
-              <a:t>4/28/2018</a:t>
+              <a:t>4/30/2018</a:t>
             </a:fld>
             <a:endParaRPr lang="en-US" dirty="0"/>
           </a:p>
@@ -3888,10 +4739,9 @@
           <a:bodyPr/>
           <a:lstStyle/>
           <a:p>
-            <a:fld id="{48A87A34-81AB-432B-8DAE-1953F412C126}" type="datetimeFigureOut">
+            <a:fld id="{1CE22DC2-C817-4CBD-9219-9AF57CE3F0CE}" type="datetime1">
               <a:rPr lang="en-US" smtClean="0"/>
-              <a:pPr/>
-              <a:t>4/28/2018</a:t>
+              <a:t>4/30/2018</a:t>
             </a:fld>
             <a:endParaRPr lang="en-US" dirty="0"/>
           </a:p>
@@ -4231,10 +5081,9 @@
           <a:bodyPr/>
           <a:lstStyle/>
           <a:p>
-            <a:fld id="{48A87A34-81AB-432B-8DAE-1953F412C126}" type="datetimeFigureOut">
+            <a:fld id="{9F8AA625-8E14-4920-87A5-934403290A58}" type="datetime1">
               <a:rPr lang="en-US" smtClean="0"/>
-              <a:pPr/>
-              <a:t>4/28/2018</a:t>
+              <a:t>4/30/2018</a:t>
             </a:fld>
             <a:endParaRPr lang="en-US" dirty="0"/>
           </a:p>
@@ -4547,10 +5396,9 @@
           <a:bodyPr/>
           <a:lstStyle/>
           <a:p>
-            <a:fld id="{48A87A34-81AB-432B-8DAE-1953F412C126}" type="datetimeFigureOut">
+            <a:fld id="{B179E89C-6412-4071-9C11-2CC21A5A978F}" type="datetime1">
               <a:rPr lang="en-US" smtClean="0"/>
-              <a:pPr/>
-              <a:t>4/28/2018</a:t>
+              <a:t>4/30/2018</a:t>
             </a:fld>
             <a:endParaRPr lang="en-US" dirty="0"/>
           </a:p>
@@ -4942,10 +5790,9 @@
           <a:bodyPr/>
           <a:lstStyle/>
           <a:p>
-            <a:fld id="{48A87A34-81AB-432B-8DAE-1953F412C126}" type="datetimeFigureOut">
+            <a:fld id="{49861535-16E3-4D7D-8248-5B794A603BB5}" type="datetime1">
               <a:rPr lang="en-US" smtClean="0"/>
-              <a:pPr/>
-              <a:t>4/28/2018</a:t>
+              <a:t>4/30/2018</a:t>
             </a:fld>
             <a:endParaRPr lang="en-US" dirty="0"/>
           </a:p>
@@ -5114,9 +5961,9 @@
           <a:bodyPr/>
           <a:lstStyle/>
           <a:p>
-            <a:fld id="{48A87A34-81AB-432B-8DAE-1953F412C126}" type="datetimeFigureOut">
+            <a:fld id="{2EAF9ABB-6E83-449F-B071-B92E376840CD}" type="datetime1">
               <a:rPr lang="en-US" smtClean="0"/>
-              <a:t>4/28/2018</a:t>
+              <a:t>4/30/2018</a:t>
             </a:fld>
             <a:endParaRPr lang="en-US" dirty="0"/>
           </a:p>
@@ -5158,6 +6005,7 @@
           <a:p>
             <a:fld id="{6D22F896-40B5-4ADD-8801-0D06FADFA095}" type="slidenum">
               <a:rPr lang="en-US" smtClean="0"/>
+              <a:pPr/>
               <a:t>‹N°›</a:t>
             </a:fld>
             <a:endParaRPr lang="en-US" dirty="0"/>
@@ -5294,10 +6142,9 @@
           <a:bodyPr/>
           <a:lstStyle/>
           <a:p>
-            <a:fld id="{48A87A34-81AB-432B-8DAE-1953F412C126}" type="datetimeFigureOut">
+            <a:fld id="{84E6996D-0140-40A6-833B-79E9CD3A5B03}" type="datetime1">
               <a:rPr lang="en-US" smtClean="0"/>
-              <a:pPr/>
-              <a:t>4/28/2018</a:t>
+              <a:t>4/30/2018</a:t>
             </a:fld>
             <a:endParaRPr lang="en-US" dirty="0"/>
           </a:p>
@@ -5339,6 +6186,7 @@
           <a:p>
             <a:fld id="{6D22F896-40B5-4ADD-8801-0D06FADFA095}" type="slidenum">
               <a:rPr lang="en-US" smtClean="0"/>
+              <a:pPr/>
               <a:t>‹N°›</a:t>
             </a:fld>
             <a:endParaRPr lang="en-US" dirty="0"/>
@@ -5471,9 +6319,9 @@
           <a:bodyPr/>
           <a:lstStyle/>
           <a:p>
-            <a:fld id="{48A87A34-81AB-432B-8DAE-1953F412C126}" type="datetimeFigureOut">
+            <a:fld id="{AB004CFB-5B38-4A7A-BEA4-997887E61357}" type="datetime1">
               <a:rPr lang="en-US" smtClean="0"/>
-              <a:t>4/28/2018</a:t>
+              <a:t>4/30/2018</a:t>
             </a:fld>
             <a:endParaRPr lang="en-US" dirty="0"/>
           </a:p>
@@ -5515,6 +6363,7 @@
           <a:p>
             <a:fld id="{6D22F896-40B5-4ADD-8801-0D06FADFA095}" type="slidenum">
               <a:rPr lang="en-US" smtClean="0"/>
+              <a:pPr/>
               <a:t>‹N°›</a:t>
             </a:fld>
             <a:endParaRPr lang="en-US" dirty="0"/>
@@ -5718,10 +6567,9 @@
           <a:bodyPr/>
           <a:lstStyle/>
           <a:p>
-            <a:fld id="{48A87A34-81AB-432B-8DAE-1953F412C126}" type="datetimeFigureOut">
+            <a:fld id="{8418611D-EB98-4FF3-8059-2ECF5899E5EC}" type="datetime1">
               <a:rPr lang="en-US" smtClean="0"/>
-              <a:pPr/>
-              <a:t>4/28/2018</a:t>
+              <a:t>4/30/2018</a:t>
             </a:fld>
             <a:endParaRPr lang="en-US" dirty="0"/>
           </a:p>
@@ -5763,6 +6611,7 @@
           <a:p>
             <a:fld id="{6D22F896-40B5-4ADD-8801-0D06FADFA095}" type="slidenum">
               <a:rPr lang="en-US" smtClean="0"/>
+              <a:pPr/>
               <a:t>‹N°›</a:t>
             </a:fld>
             <a:endParaRPr lang="en-US" dirty="0"/>
@@ -5951,9 +6800,9 @@
           <a:bodyPr/>
           <a:lstStyle/>
           <a:p>
-            <a:fld id="{48A87A34-81AB-432B-8DAE-1953F412C126}" type="datetimeFigureOut">
+            <a:fld id="{4666DA9B-4B1E-4217-9F0D-3D515BDCA5F7}" type="datetime1">
               <a:rPr lang="en-US" smtClean="0"/>
-              <a:t>4/28/2018</a:t>
+              <a:t>4/30/2018</a:t>
             </a:fld>
             <a:endParaRPr lang="en-US" dirty="0"/>
           </a:p>
@@ -5995,6 +6844,7 @@
           <a:p>
             <a:fld id="{6D22F896-40B5-4ADD-8801-0D06FADFA095}" type="slidenum">
               <a:rPr lang="en-US" smtClean="0"/>
+              <a:pPr/>
               <a:t>‹N°›</a:t>
             </a:fld>
             <a:endParaRPr lang="en-US" dirty="0"/>
@@ -6325,9 +7175,9 @@
           <a:bodyPr/>
           <a:lstStyle/>
           <a:p>
-            <a:fld id="{48A87A34-81AB-432B-8DAE-1953F412C126}" type="datetimeFigureOut">
+            <a:fld id="{28698A3F-4847-4E4C-B846-3883DB710C0A}" type="datetime1">
               <a:rPr lang="en-US" smtClean="0"/>
-              <a:t>4/28/2018</a:t>
+              <a:t>4/30/2018</a:t>
             </a:fld>
             <a:endParaRPr lang="en-US" dirty="0"/>
           </a:p>
@@ -6369,6 +7219,7 @@
           <a:p>
             <a:fld id="{6D22F896-40B5-4ADD-8801-0D06FADFA095}" type="slidenum">
               <a:rPr lang="en-US" smtClean="0"/>
+              <a:pPr/>
               <a:t>‹N°›</a:t>
             </a:fld>
             <a:endParaRPr lang="en-US" dirty="0"/>
@@ -6448,9 +7299,9 @@
           <a:bodyPr/>
           <a:lstStyle/>
           <a:p>
-            <a:fld id="{48A87A34-81AB-432B-8DAE-1953F412C126}" type="datetimeFigureOut">
+            <a:fld id="{632F62B8-863E-4D11-9248-E31FEBC89A98}" type="datetime1">
               <a:rPr lang="en-US" smtClean="0"/>
-              <a:t>4/28/2018</a:t>
+              <a:t>4/30/2018</a:t>
             </a:fld>
             <a:endParaRPr lang="en-US" dirty="0"/>
           </a:p>
@@ -6492,6 +7343,7 @@
           <a:p>
             <a:fld id="{6D22F896-40B5-4ADD-8801-0D06FADFA095}" type="slidenum">
               <a:rPr lang="en-US" smtClean="0"/>
+              <a:pPr/>
               <a:t>‹N°›</a:t>
             </a:fld>
             <a:endParaRPr lang="en-US" dirty="0"/>
@@ -6543,9 +7395,9 @@
           <a:bodyPr/>
           <a:lstStyle/>
           <a:p>
-            <a:fld id="{48A87A34-81AB-432B-8DAE-1953F412C126}" type="datetimeFigureOut">
+            <a:fld id="{FD62EE51-58B1-4E52-B7EC-5BD0E9341D49}" type="datetime1">
               <a:rPr lang="en-US" smtClean="0"/>
-              <a:t>4/28/2018</a:t>
+              <a:t>4/30/2018</a:t>
             </a:fld>
             <a:endParaRPr lang="en-US" dirty="0"/>
           </a:p>
@@ -6587,6 +7439,7 @@
           <a:p>
             <a:fld id="{6D22F896-40B5-4ADD-8801-0D06FADFA095}" type="slidenum">
               <a:rPr lang="en-US" smtClean="0"/>
+              <a:pPr/>
               <a:t>‹N°›</a:t>
             </a:fld>
             <a:endParaRPr lang="en-US" dirty="0"/>
@@ -6798,9 +7651,9 @@
           <a:bodyPr/>
           <a:lstStyle/>
           <a:p>
-            <a:fld id="{48A87A34-81AB-432B-8DAE-1953F412C126}" type="datetimeFigureOut">
+            <a:fld id="{FAFB373D-A1BB-4F97-91D0-D5361F49E55C}" type="datetime1">
               <a:rPr lang="en-US" smtClean="0"/>
-              <a:t>4/28/2018</a:t>
+              <a:t>4/30/2018</a:t>
             </a:fld>
             <a:endParaRPr lang="en-US" dirty="0"/>
           </a:p>
@@ -6842,6 +7695,7 @@
           <a:p>
             <a:fld id="{6D22F896-40B5-4ADD-8801-0D06FADFA095}" type="slidenum">
               <a:rPr lang="en-US" smtClean="0"/>
+              <a:pPr/>
               <a:t>‹N°›</a:t>
             </a:fld>
             <a:endParaRPr lang="en-US" dirty="0"/>
@@ -7061,9 +7915,9 @@
           <a:bodyPr/>
           <a:lstStyle/>
           <a:p>
-            <a:fld id="{48A87A34-81AB-432B-8DAE-1953F412C126}" type="datetimeFigureOut">
+            <a:fld id="{184BA405-BFB2-41AF-800F-6F800E108AFA}" type="datetime1">
               <a:rPr lang="en-US" smtClean="0"/>
-              <a:t>4/28/2018</a:t>
+              <a:t>4/30/2018</a:t>
             </a:fld>
             <a:endParaRPr lang="en-US" dirty="0"/>
           </a:p>
@@ -7105,6 +7959,7 @@
           <a:p>
             <a:fld id="{6D22F896-40B5-4ADD-8801-0D06FADFA095}" type="slidenum">
               <a:rPr lang="en-US" smtClean="0"/>
+              <a:pPr/>
               <a:t>‹N°›</a:t>
             </a:fld>
             <a:endParaRPr lang="en-US" dirty="0"/>
@@ -7804,10 +8659,9 @@
             </a:lvl1pPr>
           </a:lstStyle>
           <a:p>
-            <a:fld id="{48A87A34-81AB-432B-8DAE-1953F412C126}" type="datetimeFigureOut">
+            <a:fld id="{CB169F9A-4B3D-43F7-820D-6B7556CA7080}" type="datetime1">
               <a:rPr lang="en-US" smtClean="0"/>
-              <a:pPr/>
-              <a:t>4/28/2018</a:t>
+              <a:t>4/30/2018</a:t>
             </a:fld>
             <a:endParaRPr lang="en-US" dirty="0"/>
           </a:p>
@@ -7916,6 +8770,7 @@
     <p:sldLayoutId id="2147483731" r:id="rId15"/>
     <p:sldLayoutId id="2147483732" r:id="rId16"/>
   </p:sldLayoutIdLst>
+  <p:hf sldNum="0" hdr="0" ftr="0" dt="0"/>
   <p:txStyles>
     <p:titleStyle>
       <a:lvl1pPr algn="l" defTabSz="457200" rtl="0" eaLnBrk="1" latinLnBrk="0" hangingPunct="1">
@@ -8456,6 +9311,353 @@
 </p:sld>
 </file>
 
+<file path=ppt/slides/slide10.xml><?xml version="1.0" encoding="utf-8"?>
+<p:sld xmlns:a="http://schemas.openxmlformats.org/drawingml/2006/main" xmlns:r="http://schemas.openxmlformats.org/officeDocument/2006/relationships" xmlns:p="http://schemas.openxmlformats.org/presentationml/2006/main">
+  <p:cSld>
+    <p:spTree>
+      <p:nvGrpSpPr>
+        <p:cNvPr id="1" name=""/>
+        <p:cNvGrpSpPr/>
+        <p:nvPr/>
+      </p:nvGrpSpPr>
+      <p:grpSpPr>
+        <a:xfrm>
+          <a:off x="0" y="0"/>
+          <a:ext cx="0" cy="0"/>
+          <a:chOff x="0" y="0"/>
+          <a:chExt cx="0" cy="0"/>
+        </a:xfrm>
+      </p:grpSpPr>
+      <p:graphicFrame>
+        <p:nvGraphicFramePr>
+          <p:cNvPr id="4" name="Tableau 3"/>
+          <p:cNvGraphicFramePr>
+            <a:graphicFrameLocks noGrp="1"/>
+          </p:cNvGraphicFramePr>
+          <p:nvPr>
+            <p:extLst>
+              <p:ext uri="{D42A27DB-BD31-4B8C-83A1-F6EECF244321}">
+                <p14:modId xmlns:p14="http://schemas.microsoft.com/office/powerpoint/2010/main" val="73313006"/>
+              </p:ext>
+            </p:extLst>
+          </p:nvPr>
+        </p:nvGraphicFramePr>
+        <p:xfrm>
+          <a:off x="677333" y="744718"/>
+          <a:ext cx="9731795" cy="2011680"/>
+        </p:xfrm>
+        <a:graphic>
+          <a:graphicData uri="http://schemas.openxmlformats.org/drawingml/2006/table">
+            <a:tbl>
+              <a:tblPr firstRow="1" bandRow="1">
+                <a:tableStyleId>{D7AC3CCA-C797-4891-BE02-D94E43425B78}</a:tableStyleId>
+              </a:tblPr>
+              <a:tblGrid>
+                <a:gridCol w="1946359"/>
+                <a:gridCol w="1946359"/>
+                <a:gridCol w="1946359"/>
+                <a:gridCol w="1946359"/>
+                <a:gridCol w="1946359"/>
+              </a:tblGrid>
+              <a:tr h="370840">
+                <a:tc>
+                  <a:txBody>
+                    <a:bodyPr/>
+                    <a:lstStyle/>
+                    <a:p>
+                      <a:pPr algn="ctr"/>
+                      <a:r>
+                        <a:rPr lang="fr-FR" dirty="0" smtClean="0"/>
+                        <a:t>Les prix</a:t>
+                      </a:r>
+                      <a:endParaRPr lang="fr-FR" dirty="0"/>
+                    </a:p>
+                  </a:txBody>
+                  <a:tcPr/>
+                </a:tc>
+                <a:tc>
+                  <a:txBody>
+                    <a:bodyPr/>
+                    <a:lstStyle/>
+                    <a:p>
+                      <a:r>
+                        <a:rPr lang="fr-FR" dirty="0" smtClean="0"/>
+                        <a:t>1CPU</a:t>
+                      </a:r>
+                    </a:p>
+                    <a:p>
+                      <a:r>
+                        <a:rPr lang="fr-FR" dirty="0" smtClean="0"/>
+                        <a:t>1GB RAM </a:t>
+                      </a:r>
+                    </a:p>
+                    <a:p>
+                      <a:r>
+                        <a:rPr lang="fr-FR" dirty="0" smtClean="0"/>
+                        <a:t>50</a:t>
+                      </a:r>
+                      <a:r>
+                        <a:rPr lang="fr-FR" baseline="0" dirty="0" smtClean="0"/>
+                        <a:t> GB disk</a:t>
+                      </a:r>
+                    </a:p>
+                    <a:p>
+                      <a:r>
+                        <a:rPr lang="fr-FR" baseline="0" dirty="0" smtClean="0"/>
+                        <a:t>--------------</a:t>
+                      </a:r>
+                    </a:p>
+                    <a:p>
+                      <a:pPr marL="0" marR="0" indent="0" algn="l" defTabSz="457200" rtl="0" eaLnBrk="1" fontAlgn="auto" latinLnBrk="0" hangingPunct="1">
+                        <a:lnSpc>
+                          <a:spcPct val="100000"/>
+                        </a:lnSpc>
+                        <a:spcBef>
+                          <a:spcPts val="0"/>
+                        </a:spcBef>
+                        <a:spcAft>
+                          <a:spcPts val="0"/>
+                        </a:spcAft>
+                        <a:buClrTx/>
+                        <a:buSzTx/>
+                        <a:buFontTx/>
+                        <a:buNone/>
+                        <a:tabLst/>
+                        <a:defRPr/>
+                      </a:pPr>
+                      <a:r>
+                        <a:rPr lang="fr-FR" baseline="0" dirty="0" smtClean="0"/>
+                        <a:t>=</a:t>
+                      </a:r>
+                      <a:r>
+                        <a:rPr lang="fr-FR" dirty="0" smtClean="0"/>
+                        <a:t>12,09$/mois</a:t>
+                      </a:r>
+                    </a:p>
+                    <a:p>
+                      <a:endParaRPr lang="fr-FR" dirty="0" smtClean="0"/>
+                    </a:p>
+                    <a:p>
+                      <a:endParaRPr lang="fr-FR" dirty="0"/>
+                    </a:p>
+                  </a:txBody>
+                  <a:tcPr/>
+                </a:tc>
+                <a:tc>
+                  <a:txBody>
+                    <a:bodyPr/>
+                    <a:lstStyle/>
+                    <a:p>
+                      <a:r>
+                        <a:rPr lang="fr-FR" dirty="0" smtClean="0"/>
+                        <a:t>1CPU</a:t>
+                      </a:r>
+                    </a:p>
+                    <a:p>
+                      <a:r>
+                        <a:rPr lang="fr-FR" dirty="0" smtClean="0"/>
+                        <a:t>3,75GB RAM </a:t>
+                      </a:r>
+                    </a:p>
+                    <a:p>
+                      <a:r>
+                        <a:rPr lang="fr-FR" baseline="0" dirty="0" smtClean="0"/>
+                        <a:t>30 GB disk</a:t>
+                      </a:r>
+                    </a:p>
+                    <a:p>
+                      <a:r>
+                        <a:rPr lang="fr-FR" baseline="0" dirty="0" smtClean="0"/>
+                        <a:t>--------------</a:t>
+                      </a:r>
+                    </a:p>
+                    <a:p>
+                      <a:pPr marL="0" marR="0" indent="0" algn="l" defTabSz="457200" rtl="0" eaLnBrk="1" fontAlgn="auto" latinLnBrk="0" hangingPunct="1">
+                        <a:lnSpc>
+                          <a:spcPct val="100000"/>
+                        </a:lnSpc>
+                        <a:spcBef>
+                          <a:spcPts val="0"/>
+                        </a:spcBef>
+                        <a:spcAft>
+                          <a:spcPts val="0"/>
+                        </a:spcAft>
+                        <a:buClrTx/>
+                        <a:buSzTx/>
+                        <a:buFontTx/>
+                        <a:buNone/>
+                        <a:tabLst/>
+                        <a:defRPr/>
+                      </a:pPr>
+                      <a:r>
+                        <a:rPr lang="fr-FR" baseline="0" dirty="0" smtClean="0"/>
+                        <a:t>=</a:t>
+                      </a:r>
+                      <a:r>
+                        <a:rPr lang="fr-FR" dirty="0" smtClean="0"/>
+                        <a:t>28,01$/mois</a:t>
+                      </a:r>
+                    </a:p>
+                    <a:p>
+                      <a:endParaRPr lang="fr-FR" dirty="0" smtClean="0"/>
+                    </a:p>
+                    <a:p>
+                      <a:endParaRPr lang="fr-FR" dirty="0"/>
+                    </a:p>
+                  </a:txBody>
+                  <a:tcPr/>
+                </a:tc>
+                <a:tc>
+                  <a:txBody>
+                    <a:bodyPr/>
+                    <a:lstStyle/>
+                    <a:p>
+                      <a:r>
+                        <a:rPr lang="fr-FR" dirty="0" smtClean="0"/>
+                        <a:t>1CPU</a:t>
+                      </a:r>
+                    </a:p>
+                    <a:p>
+                      <a:r>
+                        <a:rPr lang="fr-FR" dirty="0" smtClean="0"/>
+                        <a:t>1,75GB RAM </a:t>
+                      </a:r>
+                    </a:p>
+                    <a:p>
+                      <a:r>
+                        <a:rPr lang="fr-FR" baseline="0" dirty="0" smtClean="0"/>
+                        <a:t>25 GB disk</a:t>
+                      </a:r>
+                    </a:p>
+                    <a:p>
+                      <a:r>
+                        <a:rPr lang="fr-FR" baseline="0" dirty="0" smtClean="0"/>
+                        <a:t>--------------</a:t>
+                      </a:r>
+                    </a:p>
+                    <a:p>
+                      <a:pPr marL="0" marR="0" indent="0" algn="l" defTabSz="457200" rtl="0" eaLnBrk="1" fontAlgn="auto" latinLnBrk="0" hangingPunct="1">
+                        <a:lnSpc>
+                          <a:spcPct val="100000"/>
+                        </a:lnSpc>
+                        <a:spcBef>
+                          <a:spcPts val="0"/>
+                        </a:spcBef>
+                        <a:spcAft>
+                          <a:spcPts val="0"/>
+                        </a:spcAft>
+                        <a:buClrTx/>
+                        <a:buSzTx/>
+                        <a:buFontTx/>
+                        <a:buNone/>
+                        <a:tabLst/>
+                        <a:defRPr/>
+                      </a:pPr>
+                      <a:r>
+                        <a:rPr lang="fr-FR" baseline="0" dirty="0" smtClean="0"/>
+                        <a:t>=</a:t>
+                      </a:r>
+                      <a:r>
+                        <a:rPr lang="fr-FR" dirty="0" smtClean="0"/>
+                        <a:t>29,09$/mois</a:t>
+                      </a:r>
+                    </a:p>
+                    <a:p>
+                      <a:endParaRPr lang="fr-FR" dirty="0"/>
+                    </a:p>
+                  </a:txBody>
+                  <a:tcPr/>
+                </a:tc>
+                <a:tc>
+                  <a:txBody>
+                    <a:bodyPr/>
+                    <a:lstStyle/>
+                    <a:p>
+                      <a:r>
+                        <a:rPr lang="fr-FR" dirty="0" smtClean="0"/>
+                        <a:t>1CPU</a:t>
+                      </a:r>
+                    </a:p>
+                    <a:p>
+                      <a:r>
+                        <a:rPr lang="fr-FR" dirty="0" smtClean="0"/>
+                        <a:t>1,75GB RAM </a:t>
+                      </a:r>
+                    </a:p>
+                    <a:p>
+                      <a:r>
+                        <a:rPr lang="fr-FR" dirty="0" smtClean="0"/>
+                        <a:t>40</a:t>
+                      </a:r>
+                      <a:r>
+                        <a:rPr lang="fr-FR" baseline="0" dirty="0" smtClean="0"/>
+                        <a:t> GB disk</a:t>
+                      </a:r>
+                    </a:p>
+                    <a:p>
+                      <a:r>
+                        <a:rPr lang="fr-FR" baseline="0" dirty="0" smtClean="0"/>
+                        <a:t>--------------</a:t>
+                      </a:r>
+                    </a:p>
+                    <a:p>
+                      <a:pPr marL="0" marR="0" indent="0" algn="l" defTabSz="457200" rtl="0" eaLnBrk="1" fontAlgn="auto" latinLnBrk="0" hangingPunct="1">
+                        <a:lnSpc>
+                          <a:spcPct val="100000"/>
+                        </a:lnSpc>
+                        <a:spcBef>
+                          <a:spcPts val="0"/>
+                        </a:spcBef>
+                        <a:spcAft>
+                          <a:spcPts val="0"/>
+                        </a:spcAft>
+                        <a:buClrTx/>
+                        <a:buSzTx/>
+                        <a:buFontTx/>
+                        <a:buNone/>
+                        <a:tabLst/>
+                        <a:defRPr/>
+                      </a:pPr>
+                      <a:r>
+                        <a:rPr lang="fr-FR" baseline="0" dirty="0" smtClean="0"/>
+                        <a:t>=</a:t>
+                      </a:r>
+                      <a:r>
+                        <a:rPr lang="fr-FR" dirty="0" smtClean="0"/>
+                        <a:t>21,80$/mois</a:t>
+                      </a:r>
+                    </a:p>
+                    <a:p>
+                      <a:endParaRPr lang="fr-FR" dirty="0"/>
+                    </a:p>
+                  </a:txBody>
+                  <a:tcPr/>
+                </a:tc>
+              </a:tr>
+            </a:tbl>
+          </a:graphicData>
+        </a:graphic>
+      </p:graphicFrame>
+    </p:spTree>
+    <p:extLst>
+      <p:ext uri="{BB962C8B-B14F-4D97-AF65-F5344CB8AC3E}">
+        <p14:creationId xmlns:p14="http://schemas.microsoft.com/office/powerpoint/2010/main" val="4055684560"/>
+      </p:ext>
+    </p:extLst>
+  </p:cSld>
+  <p:clrMapOvr>
+    <a:masterClrMapping/>
+  </p:clrMapOvr>
+  <p:timing>
+    <p:tnLst>
+      <p:par>
+        <p:cTn id="1" dur="indefinite" restart="never" nodeType="tmRoot"/>
+      </p:par>
+    </p:tnLst>
+  </p:timing>
+</p:sld>
+</file>
+
 <file path=ppt/slides/slide2.xml><?xml version="1.0" encoding="utf-8"?>
 <p:sld xmlns:a="http://schemas.openxmlformats.org/drawingml/2006/main" xmlns:r="http://schemas.openxmlformats.org/officeDocument/2006/relationships" xmlns:p="http://schemas.openxmlformats.org/presentationml/2006/main">
   <p:cSld>
@@ -8480,14 +9682,14 @@
           <p:nvPr>
             <p:extLst>
               <p:ext uri="{D42A27DB-BD31-4B8C-83A1-F6EECF244321}">
-                <p14:modId xmlns:p14="http://schemas.microsoft.com/office/powerpoint/2010/main" val="3783470295"/>
+                <p14:modId xmlns:p14="http://schemas.microsoft.com/office/powerpoint/2010/main" val="1095613453"/>
               </p:ext>
             </p:extLst>
           </p:nvPr>
         </p:nvGraphicFramePr>
         <p:xfrm>
-          <a:off x="2032000" y="719666"/>
-          <a:ext cx="8128000" cy="5418667"/>
+          <a:off x="425886" y="719666"/>
+          <a:ext cx="9256734" cy="5418667"/>
         </p:xfrm>
         <a:graphic>
           <a:graphicData uri="http://schemas.openxmlformats.org/drawingml/2006/diagram">
@@ -8587,6 +9789,48 @@
           </a:p>
         </p:txBody>
       </p:sp>
+      <p:sp>
+        <p:nvSpPr>
+          <p:cNvPr id="3" name="ZoneTexte 2"/>
+          <p:cNvSpPr txBox="1"/>
+          <p:nvPr/>
+        </p:nvSpPr>
+        <p:spPr>
+          <a:xfrm>
+            <a:off x="875211" y="2233748"/>
+            <a:ext cx="8661827" cy="2246769"/>
+          </a:xfrm>
+          <a:prstGeom prst="rect">
+            <a:avLst/>
+          </a:prstGeom>
+          <a:noFill/>
+        </p:spPr>
+        <p:txBody>
+          <a:bodyPr wrap="square" rtlCol="0">
+            <a:spAutoFit/>
+          </a:bodyPr>
+          <a:lstStyle/>
+          <a:p>
+            <a:r>
+              <a:rPr lang="fr-FR" sz="2800" dirty="0" smtClean="0"/>
+              <a:t>De plus en plus utilisé par les entreprises de toutes les industries, le Cloud </a:t>
+            </a:r>
+            <a:r>
+              <a:rPr lang="fr-FR" sz="2800" dirty="0" err="1" smtClean="0"/>
+              <a:t>Computing</a:t>
+            </a:r>
+            <a:r>
+              <a:rPr lang="fr-FR" sz="2800" dirty="0" smtClean="0"/>
+              <a:t> est la nouvelle forme de stockage de données du 21ème siècle. </a:t>
+            </a:r>
+            <a:r>
+              <a:rPr lang="fr-FR" sz="2800" dirty="0"/>
+              <a:t>Cependant, il n'est pas toujours facile de choisir l'offre qui convient le mieux à son activité.</a:t>
+            </a:r>
+            <a:endParaRPr lang="fr-FR" sz="2800" dirty="0"/>
+          </a:p>
+        </p:txBody>
+      </p:sp>
     </p:spTree>
     <p:extLst>
       <p:ext uri="{BB962C8B-B14F-4D97-AF65-F5344CB8AC3E}">
@@ -8597,6 +9841,2006 @@
   <p:clrMapOvr>
     <a:masterClrMapping/>
   </p:clrMapOvr>
+  <p:timing>
+    <p:tnLst>
+      <p:par>
+        <p:cTn id="1" dur="indefinite" restart="never" nodeType="tmRoot"/>
+      </p:par>
+    </p:tnLst>
+  </p:timing>
+</p:sld>
+</file>
+
+<file path=ppt/slides/slide4.xml><?xml version="1.0" encoding="utf-8"?>
+<p:sld xmlns:a="http://schemas.openxmlformats.org/drawingml/2006/main" xmlns:r="http://schemas.openxmlformats.org/officeDocument/2006/relationships" xmlns:p="http://schemas.openxmlformats.org/presentationml/2006/main">
+  <p:cSld>
+    <p:spTree>
+      <p:nvGrpSpPr>
+        <p:cNvPr id="1" name=""/>
+        <p:cNvGrpSpPr/>
+        <p:nvPr/>
+      </p:nvGrpSpPr>
+      <p:grpSpPr>
+        <a:xfrm>
+          <a:off x="0" y="0"/>
+          <a:ext cx="0" cy="0"/>
+          <a:chOff x="0" y="0"/>
+          <a:chExt cx="0" cy="0"/>
+        </a:xfrm>
+      </p:grpSpPr>
+      <p:sp>
+        <p:nvSpPr>
+          <p:cNvPr id="2" name="Rectangle 1"/>
+          <p:cNvSpPr/>
+          <p:nvPr/>
+        </p:nvSpPr>
+        <p:spPr>
+          <a:xfrm>
+            <a:off x="397425" y="354763"/>
+            <a:ext cx="6075702" cy="923330"/>
+          </a:xfrm>
+          <a:prstGeom prst="rect">
+            <a:avLst/>
+          </a:prstGeom>
+          <a:noFill/>
+        </p:spPr>
+        <p:txBody>
+          <a:bodyPr wrap="none" lIns="91440" tIns="45720" rIns="91440" bIns="45720">
+            <a:spAutoFit/>
+          </a:bodyPr>
+          <a:lstStyle/>
+          <a:p>
+            <a:pPr algn="ctr"/>
+            <a:r>
+              <a:rPr lang="fr-FR" sz="5400" b="1" cap="none" spc="0" dirty="0" smtClean="0">
+                <a:ln w="17780" cmpd="sng">
+                  <a:solidFill>
+                    <a:srgbClr val="FFFFFF"/>
+                  </a:solidFill>
+                  <a:prstDash val="solid"/>
+                  <a:miter lim="800000"/>
+                </a:ln>
+                <a:gradFill rotWithShape="1">
+                  <a:gsLst>
+                    <a:gs pos="0">
+                      <a:srgbClr val="000000">
+                        <a:tint val="92000"/>
+                        <a:shade val="100000"/>
+                        <a:satMod val="150000"/>
+                      </a:srgbClr>
+                    </a:gs>
+                    <a:gs pos="49000">
+                      <a:srgbClr val="000000">
+                        <a:tint val="89000"/>
+                        <a:shade val="90000"/>
+                        <a:satMod val="150000"/>
+                      </a:srgbClr>
+                    </a:gs>
+                    <a:gs pos="50000">
+                      <a:srgbClr val="000000">
+                        <a:tint val="100000"/>
+                        <a:shade val="75000"/>
+                        <a:satMod val="150000"/>
+                      </a:srgbClr>
+                    </a:gs>
+                    <a:gs pos="95000">
+                      <a:srgbClr val="000000">
+                        <a:shade val="47000"/>
+                        <a:satMod val="150000"/>
+                      </a:srgbClr>
+                    </a:gs>
+                    <a:gs pos="100000">
+                      <a:srgbClr val="000000">
+                        <a:shade val="39000"/>
+                        <a:satMod val="150000"/>
+                      </a:srgbClr>
+                    </a:gs>
+                  </a:gsLst>
+                  <a:lin ang="5400000"/>
+                </a:gradFill>
+                <a:effectLst>
+                  <a:outerShdw blurRad="50800" algn="tl" rotWithShape="0">
+                    <a:srgbClr val="000000"/>
+                  </a:outerShdw>
+                </a:effectLst>
+              </a:rPr>
+              <a:t>Cloud </a:t>
+            </a:r>
+            <a:r>
+              <a:rPr lang="fr-FR" sz="5400" b="1" cap="none" spc="0" dirty="0" err="1" smtClean="0">
+                <a:ln w="17780" cmpd="sng">
+                  <a:solidFill>
+                    <a:srgbClr val="FFFFFF"/>
+                  </a:solidFill>
+                  <a:prstDash val="solid"/>
+                  <a:miter lim="800000"/>
+                </a:ln>
+                <a:gradFill rotWithShape="1">
+                  <a:gsLst>
+                    <a:gs pos="0">
+                      <a:srgbClr val="000000">
+                        <a:tint val="92000"/>
+                        <a:shade val="100000"/>
+                        <a:satMod val="150000"/>
+                      </a:srgbClr>
+                    </a:gs>
+                    <a:gs pos="49000">
+                      <a:srgbClr val="000000">
+                        <a:tint val="89000"/>
+                        <a:shade val="90000"/>
+                        <a:satMod val="150000"/>
+                      </a:srgbClr>
+                    </a:gs>
+                    <a:gs pos="50000">
+                      <a:srgbClr val="000000">
+                        <a:tint val="100000"/>
+                        <a:shade val="75000"/>
+                        <a:satMod val="150000"/>
+                      </a:srgbClr>
+                    </a:gs>
+                    <a:gs pos="95000">
+                      <a:srgbClr val="000000">
+                        <a:shade val="47000"/>
+                        <a:satMod val="150000"/>
+                      </a:srgbClr>
+                    </a:gs>
+                    <a:gs pos="100000">
+                      <a:srgbClr val="000000">
+                        <a:shade val="39000"/>
+                        <a:satMod val="150000"/>
+                      </a:srgbClr>
+                    </a:gs>
+                  </a:gsLst>
+                  <a:lin ang="5400000"/>
+                </a:gradFill>
+                <a:effectLst>
+                  <a:outerShdw blurRad="50800" algn="tl" rotWithShape="0">
+                    <a:srgbClr val="000000"/>
+                  </a:outerShdw>
+                </a:effectLst>
+              </a:rPr>
+              <a:t>computing</a:t>
+            </a:r>
+            <a:r>
+              <a:rPr lang="fr-FR" sz="5400" b="1" cap="none" spc="0" dirty="0" smtClean="0">
+                <a:ln w="17780" cmpd="sng">
+                  <a:solidFill>
+                    <a:srgbClr val="FFFFFF"/>
+                  </a:solidFill>
+                  <a:prstDash val="solid"/>
+                  <a:miter lim="800000"/>
+                </a:ln>
+                <a:gradFill rotWithShape="1">
+                  <a:gsLst>
+                    <a:gs pos="0">
+                      <a:srgbClr val="000000">
+                        <a:tint val="92000"/>
+                        <a:shade val="100000"/>
+                        <a:satMod val="150000"/>
+                      </a:srgbClr>
+                    </a:gs>
+                    <a:gs pos="49000">
+                      <a:srgbClr val="000000">
+                        <a:tint val="89000"/>
+                        <a:shade val="90000"/>
+                        <a:satMod val="150000"/>
+                      </a:srgbClr>
+                    </a:gs>
+                    <a:gs pos="50000">
+                      <a:srgbClr val="000000">
+                        <a:tint val="100000"/>
+                        <a:shade val="75000"/>
+                        <a:satMod val="150000"/>
+                      </a:srgbClr>
+                    </a:gs>
+                    <a:gs pos="95000">
+                      <a:srgbClr val="000000">
+                        <a:shade val="47000"/>
+                        <a:satMod val="150000"/>
+                      </a:srgbClr>
+                    </a:gs>
+                    <a:gs pos="100000">
+                      <a:srgbClr val="000000">
+                        <a:shade val="39000"/>
+                        <a:satMod val="150000"/>
+                      </a:srgbClr>
+                    </a:gs>
+                  </a:gsLst>
+                  <a:lin ang="5400000"/>
+                </a:gradFill>
+                <a:effectLst>
+                  <a:outerShdw blurRad="50800" algn="tl" rotWithShape="0">
+                    <a:srgbClr val="000000"/>
+                  </a:outerShdw>
+                </a:effectLst>
+              </a:rPr>
+              <a:t> :</a:t>
+            </a:r>
+            <a:endParaRPr lang="fr-FR" sz="5400" b="1" cap="none" spc="0" dirty="0">
+              <a:ln w="17780" cmpd="sng">
+                <a:solidFill>
+                  <a:srgbClr val="FFFFFF"/>
+                </a:solidFill>
+                <a:prstDash val="solid"/>
+                <a:miter lim="800000"/>
+              </a:ln>
+              <a:gradFill rotWithShape="1">
+                <a:gsLst>
+                  <a:gs pos="0">
+                    <a:srgbClr val="000000">
+                      <a:tint val="92000"/>
+                      <a:shade val="100000"/>
+                      <a:satMod val="150000"/>
+                    </a:srgbClr>
+                  </a:gs>
+                  <a:gs pos="49000">
+                    <a:srgbClr val="000000">
+                      <a:tint val="89000"/>
+                      <a:shade val="90000"/>
+                      <a:satMod val="150000"/>
+                    </a:srgbClr>
+                  </a:gs>
+                  <a:gs pos="50000">
+                    <a:srgbClr val="000000">
+                      <a:tint val="100000"/>
+                      <a:shade val="75000"/>
+                      <a:satMod val="150000"/>
+                    </a:srgbClr>
+                  </a:gs>
+                  <a:gs pos="95000">
+                    <a:srgbClr val="000000">
+                      <a:shade val="47000"/>
+                      <a:satMod val="150000"/>
+                    </a:srgbClr>
+                  </a:gs>
+                  <a:gs pos="100000">
+                    <a:srgbClr val="000000">
+                      <a:shade val="39000"/>
+                      <a:satMod val="150000"/>
+                    </a:srgbClr>
+                  </a:gs>
+                </a:gsLst>
+                <a:lin ang="5400000"/>
+              </a:gradFill>
+              <a:effectLst>
+                <a:outerShdw blurRad="50800" algn="tl" rotWithShape="0">
+                  <a:srgbClr val="000000"/>
+                </a:outerShdw>
+              </a:effectLst>
+            </a:endParaRPr>
+          </a:p>
+        </p:txBody>
+      </p:sp>
+      <p:sp>
+        <p:nvSpPr>
+          <p:cNvPr id="3" name="ZoneTexte 2"/>
+          <p:cNvSpPr txBox="1"/>
+          <p:nvPr/>
+        </p:nvSpPr>
+        <p:spPr>
+          <a:xfrm>
+            <a:off x="418012" y="1750424"/>
+            <a:ext cx="8752113" cy="2677656"/>
+          </a:xfrm>
+          <a:prstGeom prst="rect">
+            <a:avLst/>
+          </a:prstGeom>
+          <a:noFill/>
+        </p:spPr>
+        <p:txBody>
+          <a:bodyPr wrap="square" rtlCol="0">
+            <a:spAutoFit/>
+          </a:bodyPr>
+          <a:lstStyle/>
+          <a:p>
+            <a:r>
+              <a:rPr lang="fr-FR" sz="2800" dirty="0" smtClean="0"/>
+              <a:t>Le Cloud </a:t>
+            </a:r>
+            <a:r>
+              <a:rPr lang="fr-FR" sz="2800" dirty="0" err="1" smtClean="0"/>
+              <a:t>Computing</a:t>
+            </a:r>
+            <a:r>
+              <a:rPr lang="fr-FR" sz="2800" dirty="0" smtClean="0"/>
+              <a:t> est un terme général employé pour désigner </a:t>
+            </a:r>
+            <a:r>
+              <a:rPr lang="fr-FR" sz="2800" b="1" dirty="0" smtClean="0"/>
+              <a:t>la livraison de ressources et de services à la demande par internet</a:t>
+            </a:r>
+            <a:r>
+              <a:rPr lang="fr-FR" sz="2800" dirty="0" smtClean="0"/>
+              <a:t>. Il désigne le stockage et l’accès aux données par l’intermédiaire d’internet plutôt que via le disque dur d’un ordinateur.</a:t>
+            </a:r>
+            <a:endParaRPr lang="fr-FR" sz="2800" dirty="0"/>
+          </a:p>
+        </p:txBody>
+      </p:sp>
+    </p:spTree>
+  </p:cSld>
+  <p:clrMapOvr>
+    <a:masterClrMapping/>
+  </p:clrMapOvr>
+  <p:timing>
+    <p:tnLst>
+      <p:par>
+        <p:cTn id="1" dur="indefinite" restart="never" nodeType="tmRoot"/>
+      </p:par>
+    </p:tnLst>
+  </p:timing>
+</p:sld>
+</file>
+
+<file path=ppt/slides/slide5.xml><?xml version="1.0" encoding="utf-8"?>
+<p:sld xmlns:a="http://schemas.openxmlformats.org/drawingml/2006/main" xmlns:r="http://schemas.openxmlformats.org/officeDocument/2006/relationships" xmlns:p="http://schemas.openxmlformats.org/presentationml/2006/main">
+  <p:cSld>
+    <p:spTree>
+      <p:nvGrpSpPr>
+        <p:cNvPr id="1" name=""/>
+        <p:cNvGrpSpPr/>
+        <p:nvPr/>
+      </p:nvGrpSpPr>
+      <p:grpSpPr>
+        <a:xfrm>
+          <a:off x="0" y="0"/>
+          <a:ext cx="0" cy="0"/>
+          <a:chOff x="0" y="0"/>
+          <a:chExt cx="0" cy="0"/>
+        </a:xfrm>
+      </p:grpSpPr>
+      <p:sp>
+        <p:nvSpPr>
+          <p:cNvPr id="5" name="Rectangle 4"/>
+          <p:cNvSpPr/>
+          <p:nvPr/>
+        </p:nvSpPr>
+        <p:spPr>
+          <a:xfrm>
+            <a:off x="776247" y="563770"/>
+            <a:ext cx="9115316" cy="923330"/>
+          </a:xfrm>
+          <a:prstGeom prst="rect">
+            <a:avLst/>
+          </a:prstGeom>
+          <a:noFill/>
+        </p:spPr>
+        <p:txBody>
+          <a:bodyPr wrap="none" lIns="91440" tIns="45720" rIns="91440" bIns="45720">
+            <a:spAutoFit/>
+          </a:bodyPr>
+          <a:lstStyle/>
+          <a:p>
+            <a:pPr algn="ctr"/>
+            <a:r>
+              <a:rPr lang="fr-FR" sz="5400" dirty="0" smtClean="0"/>
+              <a:t>Amazon Web Services (AWS):</a:t>
+            </a:r>
+            <a:endParaRPr lang="fr-FR" sz="5400" b="1" cap="none" spc="0" dirty="0">
+              <a:ln w="17780" cmpd="sng">
+                <a:solidFill>
+                  <a:srgbClr val="FFFFFF"/>
+                </a:solidFill>
+                <a:prstDash val="solid"/>
+                <a:miter lim="800000"/>
+              </a:ln>
+              <a:gradFill rotWithShape="1">
+                <a:gsLst>
+                  <a:gs pos="0">
+                    <a:srgbClr val="000000">
+                      <a:tint val="92000"/>
+                      <a:shade val="100000"/>
+                      <a:satMod val="150000"/>
+                    </a:srgbClr>
+                  </a:gs>
+                  <a:gs pos="49000">
+                    <a:srgbClr val="000000">
+                      <a:tint val="89000"/>
+                      <a:shade val="90000"/>
+                      <a:satMod val="150000"/>
+                    </a:srgbClr>
+                  </a:gs>
+                  <a:gs pos="50000">
+                    <a:srgbClr val="000000">
+                      <a:tint val="100000"/>
+                      <a:shade val="75000"/>
+                      <a:satMod val="150000"/>
+                    </a:srgbClr>
+                  </a:gs>
+                  <a:gs pos="95000">
+                    <a:srgbClr val="000000">
+                      <a:shade val="47000"/>
+                      <a:satMod val="150000"/>
+                    </a:srgbClr>
+                  </a:gs>
+                  <a:gs pos="100000">
+                    <a:srgbClr val="000000">
+                      <a:shade val="39000"/>
+                      <a:satMod val="150000"/>
+                    </a:srgbClr>
+                  </a:gs>
+                </a:gsLst>
+                <a:lin ang="5400000"/>
+              </a:gradFill>
+              <a:effectLst>
+                <a:outerShdw blurRad="50800" algn="tl" rotWithShape="0">
+                  <a:srgbClr val="000000"/>
+                </a:outerShdw>
+              </a:effectLst>
+            </a:endParaRPr>
+          </a:p>
+        </p:txBody>
+      </p:sp>
+      <p:sp>
+        <p:nvSpPr>
+          <p:cNvPr id="6" name="ZoneTexte 5"/>
+          <p:cNvSpPr txBox="1"/>
+          <p:nvPr/>
+        </p:nvSpPr>
+        <p:spPr>
+          <a:xfrm>
+            <a:off x="849086" y="2116183"/>
+            <a:ext cx="8832796" cy="2677656"/>
+          </a:xfrm>
+          <a:prstGeom prst="rect">
+            <a:avLst/>
+          </a:prstGeom>
+          <a:noFill/>
+        </p:spPr>
+        <p:txBody>
+          <a:bodyPr wrap="square" rtlCol="0">
+            <a:spAutoFit/>
+          </a:bodyPr>
+          <a:lstStyle/>
+          <a:p>
+            <a:r>
+              <a:rPr lang="fr-FR" sz="2400" dirty="0" smtClean="0"/>
+              <a:t>Amazon Web Services (AWS) est une division du groupe américain de commerce électronique Amazon.com, dédiée aux services de </a:t>
+            </a:r>
+            <a:r>
+              <a:rPr lang="fr-FR" sz="2400" dirty="0" err="1" smtClean="0"/>
+              <a:t>cloud</a:t>
+            </a:r>
+            <a:r>
+              <a:rPr lang="fr-FR" sz="2400" dirty="0" smtClean="0"/>
+              <a:t> </a:t>
+            </a:r>
+            <a:r>
+              <a:rPr lang="fr-FR" sz="2400" dirty="0" err="1" smtClean="0"/>
+              <a:t>computing</a:t>
+            </a:r>
+            <a:r>
+              <a:rPr lang="fr-FR" sz="2400" dirty="0" smtClean="0"/>
+              <a:t> pour les entreprises et particuliers.</a:t>
+            </a:r>
+          </a:p>
+          <a:p>
+            <a:r>
+              <a:rPr lang="fr-FR" sz="2400" dirty="0" smtClean="0"/>
+              <a:t>Lancé officiellement en 2006 par </a:t>
+            </a:r>
+            <a:r>
+              <a:rPr lang="fr-FR" sz="2400" b="1" dirty="0" smtClean="0">
+                <a:solidFill>
+                  <a:srgbClr val="FF0000"/>
+                </a:solidFill>
+              </a:rPr>
+              <a:t>Andy </a:t>
+            </a:r>
+            <a:r>
+              <a:rPr lang="fr-FR" sz="2400" b="1" dirty="0" err="1" smtClean="0">
+                <a:solidFill>
+                  <a:srgbClr val="FF0000"/>
+                </a:solidFill>
+              </a:rPr>
+              <a:t>Jassy</a:t>
+            </a:r>
+            <a:r>
+              <a:rPr lang="fr-FR" sz="2400" dirty="0" smtClean="0"/>
+              <a:t>, Amazon Web Services fournit des services en lignes à d'autres sites internet ou applications clientes.</a:t>
+            </a:r>
+            <a:endParaRPr lang="fr-FR" sz="2400" dirty="0"/>
+          </a:p>
+        </p:txBody>
+      </p:sp>
+    </p:spTree>
+  </p:cSld>
+  <p:clrMapOvr>
+    <a:masterClrMapping/>
+  </p:clrMapOvr>
+  <p:timing>
+    <p:tnLst>
+      <p:par>
+        <p:cTn id="1" dur="indefinite" restart="never" nodeType="tmRoot"/>
+      </p:par>
+    </p:tnLst>
+  </p:timing>
+</p:sld>
+</file>
+
+<file path=ppt/slides/slide6.xml><?xml version="1.0" encoding="utf-8"?>
+<p:sld xmlns:a="http://schemas.openxmlformats.org/drawingml/2006/main" xmlns:r="http://schemas.openxmlformats.org/officeDocument/2006/relationships" xmlns:p="http://schemas.openxmlformats.org/presentationml/2006/main">
+  <p:cSld>
+    <p:spTree>
+      <p:nvGrpSpPr>
+        <p:cNvPr id="1" name=""/>
+        <p:cNvGrpSpPr/>
+        <p:nvPr/>
+      </p:nvGrpSpPr>
+      <p:grpSpPr>
+        <a:xfrm>
+          <a:off x="0" y="0"/>
+          <a:ext cx="0" cy="0"/>
+          <a:chOff x="0" y="0"/>
+          <a:chExt cx="0" cy="0"/>
+        </a:xfrm>
+      </p:grpSpPr>
+      <p:sp>
+        <p:nvSpPr>
+          <p:cNvPr id="2" name="Rectangle 1"/>
+          <p:cNvSpPr/>
+          <p:nvPr/>
+        </p:nvSpPr>
+        <p:spPr>
+          <a:xfrm>
+            <a:off x="232925" y="446204"/>
+            <a:ext cx="10588796" cy="923330"/>
+          </a:xfrm>
+          <a:prstGeom prst="rect">
+            <a:avLst/>
+          </a:prstGeom>
+          <a:noFill/>
+        </p:spPr>
+        <p:txBody>
+          <a:bodyPr wrap="none" lIns="91440" tIns="45720" rIns="91440" bIns="45720">
+            <a:spAutoFit/>
+          </a:bodyPr>
+          <a:lstStyle/>
+          <a:p>
+            <a:r>
+              <a:rPr lang="fr-FR" sz="5400" dirty="0"/>
+              <a:t>Microsoft Azure (Windows </a:t>
+            </a:r>
+            <a:r>
+              <a:rPr lang="fr-FR" sz="5400" dirty="0" smtClean="0"/>
+              <a:t>Azure):</a:t>
+            </a:r>
+          </a:p>
+        </p:txBody>
+      </p:sp>
+      <p:sp>
+        <p:nvSpPr>
+          <p:cNvPr id="3" name="ZoneTexte 2"/>
+          <p:cNvSpPr txBox="1"/>
+          <p:nvPr/>
+        </p:nvSpPr>
+        <p:spPr>
+          <a:xfrm>
+            <a:off x="232925" y="1972491"/>
+            <a:ext cx="10398034" cy="3108543"/>
+          </a:xfrm>
+          <a:prstGeom prst="rect">
+            <a:avLst/>
+          </a:prstGeom>
+          <a:noFill/>
+        </p:spPr>
+        <p:txBody>
+          <a:bodyPr wrap="square" rtlCol="0">
+            <a:spAutoFit/>
+          </a:bodyPr>
+          <a:lstStyle/>
+          <a:p>
+            <a:pPr algn="just"/>
+            <a:r>
+              <a:rPr lang="fr-FR" sz="2800" dirty="0"/>
+              <a:t>Microsoft Azure, anciennement connu sous le nom de Windows Azure, est le nouveau nom de la plateforme </a:t>
+            </a:r>
+            <a:r>
+              <a:rPr lang="fr-FR" sz="2800" dirty="0" err="1" smtClean="0"/>
+              <a:t>cloud</a:t>
+            </a:r>
+            <a:r>
+              <a:rPr lang="fr-FR" sz="2800" dirty="0" smtClean="0">
+                <a:solidFill>
+                  <a:srgbClr val="FF0000"/>
+                </a:solidFill>
+              </a:rPr>
+              <a:t> </a:t>
+            </a:r>
+            <a:r>
+              <a:rPr lang="fr-FR" sz="2800" dirty="0" smtClean="0"/>
+              <a:t>de </a:t>
+            </a:r>
+            <a:r>
+              <a:rPr lang="fr-FR" sz="2800" dirty="0"/>
+              <a:t>Microsoft.</a:t>
+            </a:r>
+          </a:p>
+          <a:p>
+            <a:pPr algn="just"/>
+            <a:r>
+              <a:rPr lang="fr-FR" sz="2800" dirty="0"/>
+              <a:t>Au départ simple plateforme basée sur Windows Server, Microsoft Azure a gagné en flexibilité et permet désormais aux développeurs d'utiliser n'importe quel langage, infrastructure ou outil pour créer, déployer et gérer des applications.</a:t>
+            </a:r>
+          </a:p>
+          <a:p>
+            <a:pPr algn="just"/>
+            <a:endParaRPr lang="fr-FR" sz="2800" dirty="0"/>
+          </a:p>
+        </p:txBody>
+      </p:sp>
+    </p:spTree>
+    <p:extLst>
+      <p:ext uri="{BB962C8B-B14F-4D97-AF65-F5344CB8AC3E}">
+        <p14:creationId xmlns:p14="http://schemas.microsoft.com/office/powerpoint/2010/main" val="369974467"/>
+      </p:ext>
+    </p:extLst>
+  </p:cSld>
+  <p:clrMapOvr>
+    <a:masterClrMapping/>
+  </p:clrMapOvr>
+  <p:timing>
+    <p:tnLst>
+      <p:par>
+        <p:cTn id="1" dur="indefinite" restart="never" nodeType="tmRoot"/>
+      </p:par>
+    </p:tnLst>
+  </p:timing>
+</p:sld>
+</file>
+
+<file path=ppt/slides/slide7.xml><?xml version="1.0" encoding="utf-8"?>
+<p:sld xmlns:a="http://schemas.openxmlformats.org/drawingml/2006/main" xmlns:r="http://schemas.openxmlformats.org/officeDocument/2006/relationships" xmlns:p="http://schemas.openxmlformats.org/presentationml/2006/main">
+  <p:cSld>
+    <p:spTree>
+      <p:nvGrpSpPr>
+        <p:cNvPr id="1" name=""/>
+        <p:cNvGrpSpPr/>
+        <p:nvPr/>
+      </p:nvGrpSpPr>
+      <p:grpSpPr>
+        <a:xfrm>
+          <a:off x="0" y="0"/>
+          <a:ext cx="0" cy="0"/>
+          <a:chOff x="0" y="0"/>
+          <a:chExt cx="0" cy="0"/>
+        </a:xfrm>
+      </p:grpSpPr>
+      <p:sp>
+        <p:nvSpPr>
+          <p:cNvPr id="4" name="Rectangle 3"/>
+          <p:cNvSpPr/>
+          <p:nvPr/>
+        </p:nvSpPr>
+        <p:spPr>
+          <a:xfrm>
+            <a:off x="289407" y="399500"/>
+            <a:ext cx="3220753" cy="923330"/>
+          </a:xfrm>
+          <a:prstGeom prst="rect">
+            <a:avLst/>
+          </a:prstGeom>
+          <a:noFill/>
+        </p:spPr>
+        <p:txBody>
+          <a:bodyPr wrap="none" lIns="91440" tIns="45720" rIns="91440" bIns="45720">
+            <a:spAutoFit/>
+          </a:bodyPr>
+          <a:lstStyle/>
+          <a:p>
+            <a:pPr algn="ctr"/>
+            <a:r>
+              <a:rPr lang="fr-FR" sz="5400" b="0" cap="none" spc="0" dirty="0" smtClean="0">
+                <a:ln w="0"/>
+                <a:solidFill>
+                  <a:schemeClr val="tx1"/>
+                </a:solidFill>
+                <a:effectLst>
+                  <a:outerShdw blurRad="38100" dist="19050" dir="2700000" algn="tl" rotWithShape="0">
+                    <a:schemeClr val="dk1">
+                      <a:alpha val="40000"/>
+                    </a:schemeClr>
+                  </a:outerShdw>
+                </a:effectLst>
+              </a:rPr>
+              <a:t>IBM Cloud</a:t>
+            </a:r>
+            <a:endParaRPr lang="fr-FR" sz="5400" b="0" cap="none" spc="0" dirty="0">
+              <a:ln w="0"/>
+              <a:solidFill>
+                <a:schemeClr val="tx1"/>
+              </a:solidFill>
+              <a:effectLst>
+                <a:outerShdw blurRad="38100" dist="19050" dir="2700000" algn="tl" rotWithShape="0">
+                  <a:schemeClr val="dk1">
+                    <a:alpha val="40000"/>
+                  </a:schemeClr>
+                </a:outerShdw>
+              </a:effectLst>
+            </a:endParaRPr>
+          </a:p>
+        </p:txBody>
+      </p:sp>
+      <p:sp>
+        <p:nvSpPr>
+          <p:cNvPr id="5" name="ZoneTexte 4"/>
+          <p:cNvSpPr txBox="1"/>
+          <p:nvPr/>
+        </p:nvSpPr>
+        <p:spPr>
+          <a:xfrm>
+            <a:off x="289407" y="1758296"/>
+            <a:ext cx="10157300" cy="3539430"/>
+          </a:xfrm>
+          <a:prstGeom prst="rect">
+            <a:avLst/>
+          </a:prstGeom>
+          <a:noFill/>
+        </p:spPr>
+        <p:txBody>
+          <a:bodyPr wrap="square" rtlCol="0">
+            <a:spAutoFit/>
+          </a:bodyPr>
+          <a:lstStyle/>
+          <a:p>
+            <a:pPr algn="just"/>
+            <a:r>
+              <a:rPr lang="fr-FR" sz="2800" dirty="0"/>
+              <a:t>IBM </a:t>
+            </a:r>
+            <a:r>
+              <a:rPr lang="fr-FR" sz="2800" dirty="0" err="1"/>
+              <a:t>cloud</a:t>
+            </a:r>
+            <a:r>
+              <a:rPr lang="fr-FR" sz="2800" dirty="0"/>
+              <a:t> </a:t>
+            </a:r>
+            <a:r>
+              <a:rPr lang="fr-FR" sz="2800" dirty="0" err="1"/>
+              <a:t>computing</a:t>
+            </a:r>
+            <a:r>
+              <a:rPr lang="fr-FR" sz="2800" dirty="0"/>
+              <a:t> est un ensemble de services de </a:t>
+            </a:r>
+            <a:r>
+              <a:rPr lang="fr-FR" sz="2800" dirty="0" err="1"/>
+              <a:t>cloud</a:t>
+            </a:r>
+            <a:r>
+              <a:rPr lang="fr-FR" sz="2800" dirty="0"/>
+              <a:t> </a:t>
+            </a:r>
+            <a:r>
+              <a:rPr lang="fr-FR" sz="2800" dirty="0" err="1"/>
+              <a:t>computing</a:t>
+            </a:r>
+            <a:r>
+              <a:rPr lang="fr-FR" sz="2800" dirty="0"/>
+              <a:t> pour les entreprises, offerts par la société de technologie de l'information IBM. Le </a:t>
+            </a:r>
+            <a:r>
+              <a:rPr lang="fr-FR" sz="2800" dirty="0" err="1"/>
+              <a:t>cloud</a:t>
+            </a:r>
+            <a:r>
+              <a:rPr lang="fr-FR" sz="2800" dirty="0"/>
+              <a:t> IBM inclut l'infrastructure en tant que service (</a:t>
+            </a:r>
+            <a:r>
+              <a:rPr lang="fr-FR" sz="2800" dirty="0" err="1"/>
+              <a:t>IaaS</a:t>
+            </a:r>
+            <a:r>
+              <a:rPr lang="fr-FR" sz="2800" dirty="0"/>
+              <a:t>), le logiciel en tant que service (</a:t>
+            </a:r>
+            <a:r>
+              <a:rPr lang="fr-FR" sz="2800" dirty="0" err="1"/>
+              <a:t>SaaS</a:t>
+            </a:r>
+            <a:r>
+              <a:rPr lang="fr-FR" sz="2800" dirty="0"/>
+              <a:t>) et la plate-forme en tant que service (</a:t>
+            </a:r>
+            <a:r>
+              <a:rPr lang="fr-FR" sz="2800" dirty="0" err="1"/>
+              <a:t>PaaS</a:t>
+            </a:r>
+            <a:r>
+              <a:rPr lang="fr-FR" sz="2800" dirty="0"/>
+              <a:t>), offert aussi des modèles de diffusion </a:t>
+            </a:r>
+            <a:r>
+              <a:rPr lang="fr-FR" sz="2800" dirty="0" err="1"/>
+              <a:t>cloud</a:t>
+            </a:r>
+            <a:r>
+              <a:rPr lang="fr-FR" sz="2800" dirty="0"/>
+              <a:t> publics, privés et hybrides, en plus des composants qui composent ces </a:t>
+            </a:r>
+            <a:r>
+              <a:rPr lang="fr-FR" sz="2800" dirty="0" err="1" smtClean="0"/>
+              <a:t>clouds</a:t>
+            </a:r>
+            <a:r>
+              <a:rPr lang="fr-FR" sz="2800" dirty="0"/>
+              <a:t>.</a:t>
+            </a:r>
+          </a:p>
+        </p:txBody>
+      </p:sp>
+    </p:spTree>
+    <p:extLst>
+      <p:ext uri="{BB962C8B-B14F-4D97-AF65-F5344CB8AC3E}">
+        <p14:creationId xmlns:p14="http://schemas.microsoft.com/office/powerpoint/2010/main" val="1134080712"/>
+      </p:ext>
+    </p:extLst>
+  </p:cSld>
+  <p:clrMapOvr>
+    <a:masterClrMapping/>
+  </p:clrMapOvr>
+  <p:timing>
+    <p:tnLst>
+      <p:par>
+        <p:cTn id="1" dur="indefinite" restart="never" nodeType="tmRoot"/>
+      </p:par>
+    </p:tnLst>
+  </p:timing>
+</p:sld>
+</file>
+
+<file path=ppt/slides/slide8.xml><?xml version="1.0" encoding="utf-8"?>
+<p:sld xmlns:a="http://schemas.openxmlformats.org/drawingml/2006/main" xmlns:r="http://schemas.openxmlformats.org/officeDocument/2006/relationships" xmlns:p="http://schemas.openxmlformats.org/presentationml/2006/main">
+  <p:cSld>
+    <p:spTree>
+      <p:nvGrpSpPr>
+        <p:cNvPr id="1" name=""/>
+        <p:cNvGrpSpPr/>
+        <p:nvPr/>
+      </p:nvGrpSpPr>
+      <p:grpSpPr>
+        <a:xfrm>
+          <a:off x="0" y="0"/>
+          <a:ext cx="0" cy="0"/>
+          <a:chOff x="0" y="0"/>
+          <a:chExt cx="0" cy="0"/>
+        </a:xfrm>
+      </p:grpSpPr>
+      <p:sp>
+        <p:nvSpPr>
+          <p:cNvPr id="4" name="ZoneTexte 3"/>
+          <p:cNvSpPr txBox="1"/>
+          <p:nvPr/>
+        </p:nvSpPr>
+        <p:spPr>
+          <a:xfrm>
+            <a:off x="404346" y="1703540"/>
+            <a:ext cx="9480413" cy="3539430"/>
+          </a:xfrm>
+          <a:prstGeom prst="rect">
+            <a:avLst/>
+          </a:prstGeom>
+          <a:noFill/>
+        </p:spPr>
+        <p:txBody>
+          <a:bodyPr wrap="square" rtlCol="0">
+            <a:spAutoFit/>
+          </a:bodyPr>
+          <a:lstStyle/>
+          <a:p>
+            <a:pPr algn="just"/>
+            <a:r>
+              <a:rPr lang="fr-FR" sz="2800" dirty="0"/>
+              <a:t>Google Cloud Platform est une plateforme de </a:t>
+            </a:r>
+            <a:r>
+              <a:rPr lang="fr-FR" sz="2800" dirty="0" err="1"/>
+              <a:t>cloud</a:t>
+            </a:r>
+            <a:r>
+              <a:rPr lang="fr-FR" sz="2800" dirty="0"/>
+              <a:t> </a:t>
+            </a:r>
+            <a:r>
+              <a:rPr lang="fr-FR" sz="2800" dirty="0" err="1"/>
+              <a:t>computing</a:t>
+            </a:r>
+            <a:r>
+              <a:rPr lang="fr-FR" sz="2800" dirty="0"/>
+              <a:t> fournie par Google, proposant un hébergement sur la même infrastructure que celle que Google utilise en interne pour des produits tels que son moteur de recherche. Cloud Platform fournit aux développeurs des produits permettant de construire une gamme de programmes allant de simples sites web à des applications complexe</a:t>
+            </a:r>
+          </a:p>
+        </p:txBody>
+      </p:sp>
+      <p:sp>
+        <p:nvSpPr>
+          <p:cNvPr id="5" name="Rectangle 4"/>
+          <p:cNvSpPr/>
+          <p:nvPr/>
+        </p:nvSpPr>
+        <p:spPr>
+          <a:xfrm>
+            <a:off x="404346" y="575716"/>
+            <a:ext cx="7661073" cy="923330"/>
+          </a:xfrm>
+          <a:prstGeom prst="rect">
+            <a:avLst/>
+          </a:prstGeom>
+          <a:noFill/>
+        </p:spPr>
+        <p:txBody>
+          <a:bodyPr wrap="none" lIns="91440" tIns="45720" rIns="91440" bIns="45720">
+            <a:spAutoFit/>
+          </a:bodyPr>
+          <a:lstStyle/>
+          <a:p>
+            <a:pPr algn="ctr"/>
+            <a:r>
+              <a:rPr lang="fr-FR" sz="5400" b="0" cap="none" spc="0" dirty="0" smtClean="0">
+                <a:ln w="0"/>
+                <a:solidFill>
+                  <a:schemeClr val="tx1"/>
+                </a:solidFill>
+                <a:effectLst>
+                  <a:outerShdw blurRad="38100" dist="19050" dir="2700000" algn="tl" rotWithShape="0">
+                    <a:schemeClr val="dk1">
+                      <a:alpha val="40000"/>
+                    </a:schemeClr>
+                  </a:outerShdw>
+                </a:effectLst>
+              </a:rPr>
+              <a:t>Google Cloud Platform :</a:t>
+            </a:r>
+            <a:endParaRPr lang="fr-FR" sz="5400" b="0" cap="none" spc="0" dirty="0">
+              <a:ln w="0"/>
+              <a:solidFill>
+                <a:schemeClr val="tx1"/>
+              </a:solidFill>
+              <a:effectLst>
+                <a:outerShdw blurRad="38100" dist="19050" dir="2700000" algn="tl" rotWithShape="0">
+                  <a:schemeClr val="dk1">
+                    <a:alpha val="40000"/>
+                  </a:schemeClr>
+                </a:outerShdw>
+              </a:effectLst>
+            </a:endParaRPr>
+          </a:p>
+        </p:txBody>
+      </p:sp>
+    </p:spTree>
+    <p:extLst>
+      <p:ext uri="{BB962C8B-B14F-4D97-AF65-F5344CB8AC3E}">
+        <p14:creationId xmlns:p14="http://schemas.microsoft.com/office/powerpoint/2010/main" val="3593271843"/>
+      </p:ext>
+    </p:extLst>
+  </p:cSld>
+  <p:clrMapOvr>
+    <a:masterClrMapping/>
+  </p:clrMapOvr>
+  <p:timing>
+    <p:tnLst>
+      <p:par>
+        <p:cTn id="1" dur="indefinite" restart="never" nodeType="tmRoot"/>
+      </p:par>
+    </p:tnLst>
+  </p:timing>
+</p:sld>
+</file>
+
+<file path=ppt/slides/slide9.xml><?xml version="1.0" encoding="utf-8"?>
+<p:sld xmlns:a="http://schemas.openxmlformats.org/drawingml/2006/main" xmlns:r="http://schemas.openxmlformats.org/officeDocument/2006/relationships" xmlns:p="http://schemas.openxmlformats.org/presentationml/2006/main">
+  <p:cSld>
+    <p:spTree>
+      <p:nvGrpSpPr>
+        <p:cNvPr id="1" name=""/>
+        <p:cNvGrpSpPr/>
+        <p:nvPr/>
+      </p:nvGrpSpPr>
+      <p:grpSpPr>
+        <a:xfrm>
+          <a:off x="0" y="0"/>
+          <a:ext cx="0" cy="0"/>
+          <a:chOff x="0" y="0"/>
+          <a:chExt cx="0" cy="0"/>
+        </a:xfrm>
+      </p:grpSpPr>
+      <p:sp>
+        <p:nvSpPr>
+          <p:cNvPr id="4" name="Rectangle 3"/>
+          <p:cNvSpPr/>
+          <p:nvPr/>
+        </p:nvSpPr>
+        <p:spPr>
+          <a:xfrm>
+            <a:off x="0" y="363256"/>
+            <a:ext cx="11243784" cy="923330"/>
+          </a:xfrm>
+          <a:prstGeom prst="rect">
+            <a:avLst/>
+          </a:prstGeom>
+          <a:noFill/>
+        </p:spPr>
+        <p:txBody>
+          <a:bodyPr wrap="none" lIns="91440" tIns="45720" rIns="91440" bIns="45720">
+            <a:spAutoFit/>
+          </a:bodyPr>
+          <a:lstStyle/>
+          <a:p>
+            <a:pPr algn="ctr"/>
+            <a:r>
+              <a:rPr lang="fr-FR" sz="5400" dirty="0">
+                <a:ln w="0"/>
+                <a:effectLst>
+                  <a:outerShdw blurRad="38100" dist="19050" dir="2700000" algn="tl" rotWithShape="0">
+                    <a:schemeClr val="dk1">
+                      <a:alpha val="40000"/>
+                    </a:schemeClr>
+                  </a:outerShdw>
+                </a:effectLst>
+              </a:rPr>
+              <a:t>Comparaison entre les </a:t>
+            </a:r>
+            <a:r>
+              <a:rPr lang="fr-FR" sz="5400" dirty="0" smtClean="0">
+                <a:ln w="0"/>
+                <a:effectLst>
+                  <a:outerShdw blurRad="38100" dist="19050" dir="2700000" algn="tl" rotWithShape="0">
+                    <a:schemeClr val="dk1">
+                      <a:alpha val="40000"/>
+                    </a:schemeClr>
+                  </a:outerShdw>
+                </a:effectLst>
+              </a:rPr>
+              <a:t>plateforme :</a:t>
+            </a:r>
+            <a:endParaRPr lang="fr-FR" sz="5400" b="0" cap="none" spc="0" dirty="0">
+              <a:ln w="0"/>
+              <a:solidFill>
+                <a:schemeClr val="tx1"/>
+              </a:solidFill>
+              <a:effectLst>
+                <a:outerShdw blurRad="38100" dist="19050" dir="2700000" algn="tl" rotWithShape="0">
+                  <a:schemeClr val="dk1">
+                    <a:alpha val="40000"/>
+                  </a:schemeClr>
+                </a:outerShdw>
+              </a:effectLst>
+            </a:endParaRPr>
+          </a:p>
+        </p:txBody>
+      </p:sp>
+      <p:graphicFrame>
+        <p:nvGraphicFramePr>
+          <p:cNvPr id="5" name="Tableau 4"/>
+          <p:cNvGraphicFramePr>
+            <a:graphicFrameLocks noGrp="1"/>
+          </p:cNvGraphicFramePr>
+          <p:nvPr>
+            <p:extLst>
+              <p:ext uri="{D42A27DB-BD31-4B8C-83A1-F6EECF244321}">
+                <p14:modId xmlns:p14="http://schemas.microsoft.com/office/powerpoint/2010/main" val="3685908352"/>
+              </p:ext>
+            </p:extLst>
+          </p:nvPr>
+        </p:nvGraphicFramePr>
+        <p:xfrm>
+          <a:off x="274773" y="1286586"/>
+          <a:ext cx="10781120" cy="4342815"/>
+        </p:xfrm>
+        <a:graphic>
+          <a:graphicData uri="http://schemas.openxmlformats.org/drawingml/2006/table">
+            <a:tbl>
+              <a:tblPr firstRow="1" bandRow="1">
+                <a:tableStyleId>{5C22544A-7EE6-4342-B048-85BDC9FD1C3A}</a:tableStyleId>
+              </a:tblPr>
+              <a:tblGrid>
+                <a:gridCol w="2293063"/>
+                <a:gridCol w="2019385"/>
+                <a:gridCol w="2156224"/>
+                <a:gridCol w="2156224"/>
+                <a:gridCol w="2156224"/>
+              </a:tblGrid>
+              <a:tr h="538937">
+                <a:tc>
+                  <a:txBody>
+                    <a:bodyPr/>
+                    <a:lstStyle/>
+                    <a:p>
+                      <a:pPr algn="ctr"/>
+                      <a:r>
+                        <a:rPr lang="fr-FR" dirty="0" smtClean="0"/>
+                        <a:t>Caractéristiques et solutions</a:t>
+                      </a:r>
+                      <a:endParaRPr lang="fr-FR" dirty="0"/>
+                    </a:p>
+                  </a:txBody>
+                  <a:tcPr/>
+                </a:tc>
+                <a:tc>
+                  <a:txBody>
+                    <a:bodyPr/>
+                    <a:lstStyle/>
+                    <a:p>
+                      <a:pPr algn="ctr"/>
+                      <a:r>
+                        <a:rPr lang="fr-FR" dirty="0" smtClean="0"/>
+                        <a:t>AWS</a:t>
+                      </a:r>
+                      <a:endParaRPr lang="fr-FR" dirty="0"/>
+                    </a:p>
+                  </a:txBody>
+                  <a:tcPr/>
+                </a:tc>
+                <a:tc>
+                  <a:txBody>
+                    <a:bodyPr/>
+                    <a:lstStyle/>
+                    <a:p>
+                      <a:pPr algn="ctr"/>
+                      <a:r>
+                        <a:rPr lang="fr-FR" dirty="0" smtClean="0"/>
+                        <a:t>GCP</a:t>
+                      </a:r>
+                      <a:endParaRPr lang="fr-FR" dirty="0"/>
+                    </a:p>
+                  </a:txBody>
+                  <a:tcPr/>
+                </a:tc>
+                <a:tc>
+                  <a:txBody>
+                    <a:bodyPr/>
+                    <a:lstStyle/>
+                    <a:p>
+                      <a:pPr algn="ctr"/>
+                      <a:r>
+                        <a:rPr lang="fr-FR" dirty="0" smtClean="0"/>
+                        <a:t>IBM Cloud</a:t>
+                      </a:r>
+                      <a:endParaRPr lang="fr-FR" dirty="0"/>
+                    </a:p>
+                  </a:txBody>
+                  <a:tcPr/>
+                </a:tc>
+                <a:tc>
+                  <a:txBody>
+                    <a:bodyPr/>
+                    <a:lstStyle/>
+                    <a:p>
+                      <a:pPr algn="ctr"/>
+                      <a:r>
+                        <a:rPr lang="fr-FR" dirty="0" smtClean="0"/>
+                        <a:t>Azure</a:t>
+                      </a:r>
+                      <a:endParaRPr lang="fr-FR" dirty="0"/>
+                    </a:p>
+                  </a:txBody>
+                  <a:tcPr/>
+                </a:tc>
+              </a:tr>
+              <a:tr h="751244">
+                <a:tc>
+                  <a:txBody>
+                    <a:bodyPr/>
+                    <a:lstStyle/>
+                    <a:p>
+                      <a:pPr algn="l"/>
+                      <a:r>
+                        <a:rPr lang="fr-FR" dirty="0" smtClean="0"/>
+                        <a:t>Maximum de processeurs dans VM</a:t>
+                      </a:r>
+                      <a:endParaRPr lang="fr-FR" dirty="0"/>
+                    </a:p>
+                  </a:txBody>
+                  <a:tcPr/>
+                </a:tc>
+                <a:tc>
+                  <a:txBody>
+                    <a:bodyPr/>
+                    <a:lstStyle/>
+                    <a:p>
+                      <a:r>
+                        <a:rPr lang="fr-FR" sz="1800" b="0" i="0" kern="1200" dirty="0" smtClean="0">
+                          <a:solidFill>
+                            <a:schemeClr val="dk1"/>
+                          </a:solidFill>
+                          <a:effectLst/>
+                          <a:latin typeface="+mn-lt"/>
+                          <a:ea typeface="+mn-ea"/>
+                          <a:cs typeface="+mn-cs"/>
+                        </a:rPr>
+                        <a:t>128</a:t>
+                      </a:r>
+                      <a:endParaRPr lang="fr-FR" dirty="0"/>
+                    </a:p>
+                  </a:txBody>
+                  <a:tcPr/>
+                </a:tc>
+                <a:tc>
+                  <a:txBody>
+                    <a:bodyPr/>
+                    <a:lstStyle/>
+                    <a:p>
+                      <a:r>
+                        <a:rPr lang="fr-FR" sz="1800" b="0" i="0" kern="1200" dirty="0" smtClean="0">
+                          <a:solidFill>
+                            <a:schemeClr val="dk1"/>
+                          </a:solidFill>
+                          <a:effectLst/>
+                          <a:latin typeface="+mn-lt"/>
+                          <a:ea typeface="+mn-ea"/>
+                          <a:cs typeface="+mn-cs"/>
+                        </a:rPr>
+                        <a:t>96</a:t>
+                      </a:r>
+                      <a:endParaRPr lang="fr-FR" dirty="0"/>
+                    </a:p>
+                  </a:txBody>
+                  <a:tcPr/>
+                </a:tc>
+                <a:tc>
+                  <a:txBody>
+                    <a:bodyPr/>
+                    <a:lstStyle/>
+                    <a:p>
+                      <a:r>
+                        <a:rPr lang="fr-FR" sz="1800" b="0" i="0" kern="1200" dirty="0" smtClean="0">
+                          <a:solidFill>
+                            <a:schemeClr val="dk1"/>
+                          </a:solidFill>
+                          <a:effectLst/>
+                          <a:latin typeface="+mn-lt"/>
+                          <a:ea typeface="+mn-ea"/>
+                          <a:cs typeface="+mn-cs"/>
+                        </a:rPr>
+                        <a:t>56</a:t>
+                      </a:r>
+                      <a:endParaRPr lang="fr-FR" dirty="0"/>
+                    </a:p>
+                  </a:txBody>
+                  <a:tcPr/>
+                </a:tc>
+                <a:tc>
+                  <a:txBody>
+                    <a:bodyPr/>
+                    <a:lstStyle/>
+                    <a:p>
+                      <a:r>
+                        <a:rPr lang="fr-FR" sz="1800" b="0" i="0" kern="1200" dirty="0" smtClean="0">
+                          <a:solidFill>
+                            <a:schemeClr val="dk1"/>
+                          </a:solidFill>
+                          <a:effectLst/>
+                          <a:latin typeface="+mn-lt"/>
+                          <a:ea typeface="+mn-ea"/>
+                          <a:cs typeface="+mn-cs"/>
+                        </a:rPr>
+                        <a:t>128</a:t>
+                      </a:r>
+                      <a:endParaRPr lang="fr-FR" dirty="0"/>
+                    </a:p>
+                  </a:txBody>
+                  <a:tcPr/>
+                </a:tc>
+              </a:tr>
+              <a:tr h="665491">
+                <a:tc>
+                  <a:txBody>
+                    <a:bodyPr/>
+                    <a:lstStyle/>
+                    <a:p>
+                      <a:r>
+                        <a:rPr lang="fr-FR" dirty="0" smtClean="0"/>
+                        <a:t>Mémoire maximale dans VM (</a:t>
+                      </a:r>
+                      <a:r>
+                        <a:rPr lang="fr-FR" dirty="0" err="1" smtClean="0"/>
+                        <a:t>GiB</a:t>
+                      </a:r>
+                      <a:r>
+                        <a:rPr lang="fr-FR" dirty="0" smtClean="0"/>
+                        <a:t>)</a:t>
+                      </a:r>
+                      <a:endParaRPr lang="fr-FR" dirty="0"/>
+                    </a:p>
+                  </a:txBody>
+                  <a:tcPr/>
+                </a:tc>
+                <a:tc>
+                  <a:txBody>
+                    <a:bodyPr/>
+                    <a:lstStyle/>
+                    <a:p>
+                      <a:r>
+                        <a:rPr lang="fr-FR" sz="1800" b="0" i="0" kern="1200" dirty="0" smtClean="0">
+                          <a:solidFill>
+                            <a:schemeClr val="dk1"/>
+                          </a:solidFill>
+                          <a:effectLst/>
+                          <a:latin typeface="+mn-lt"/>
+                          <a:ea typeface="+mn-ea"/>
+                          <a:cs typeface="+mn-cs"/>
+                        </a:rPr>
+                        <a:t>3904</a:t>
+                      </a:r>
+                      <a:endParaRPr lang="fr-FR" dirty="0"/>
+                    </a:p>
+                  </a:txBody>
+                  <a:tcPr/>
+                </a:tc>
+                <a:tc>
+                  <a:txBody>
+                    <a:bodyPr/>
+                    <a:lstStyle/>
+                    <a:p>
+                      <a:r>
+                        <a:rPr lang="fr-FR" sz="1800" b="0" i="0" kern="1200" dirty="0" smtClean="0">
+                          <a:solidFill>
+                            <a:schemeClr val="dk1"/>
+                          </a:solidFill>
+                          <a:effectLst/>
+                          <a:latin typeface="+mn-lt"/>
+                          <a:ea typeface="+mn-ea"/>
+                          <a:cs typeface="+mn-cs"/>
+                        </a:rPr>
+                        <a:t>1433</a:t>
+                      </a:r>
+                      <a:endParaRPr lang="fr-FR" dirty="0"/>
+                    </a:p>
+                  </a:txBody>
+                  <a:tcPr/>
+                </a:tc>
+                <a:tc>
+                  <a:txBody>
+                    <a:bodyPr/>
+                    <a:lstStyle/>
+                    <a:p>
+                      <a:r>
+                        <a:rPr lang="fr-FR" sz="1800" b="0" i="0" kern="1200" dirty="0" smtClean="0">
+                          <a:solidFill>
+                            <a:schemeClr val="dk1"/>
+                          </a:solidFill>
+                          <a:effectLst/>
+                          <a:latin typeface="+mn-lt"/>
+                          <a:ea typeface="+mn-ea"/>
+                          <a:cs typeface="+mn-cs"/>
+                        </a:rPr>
+                        <a:t>242</a:t>
+                      </a:r>
+                      <a:endParaRPr lang="fr-FR" dirty="0"/>
+                    </a:p>
+                  </a:txBody>
+                  <a:tcPr/>
+                </a:tc>
+                <a:tc>
+                  <a:txBody>
+                    <a:bodyPr/>
+                    <a:lstStyle/>
+                    <a:p>
+                      <a:r>
+                        <a:rPr lang="fr-FR" sz="1800" b="0" i="0" kern="1200" dirty="0" smtClean="0">
+                          <a:solidFill>
+                            <a:schemeClr val="dk1"/>
+                          </a:solidFill>
+                          <a:effectLst/>
+                          <a:latin typeface="+mn-lt"/>
+                          <a:ea typeface="+mn-ea"/>
+                          <a:cs typeface="+mn-cs"/>
+                        </a:rPr>
+                        <a:t>3800</a:t>
+                      </a:r>
+                      <a:endParaRPr lang="fr-FR" dirty="0"/>
+                    </a:p>
+                  </a:txBody>
+                  <a:tcPr/>
+                </a:tc>
+              </a:tr>
+              <a:tr h="2200336">
+                <a:tc>
+                  <a:txBody>
+                    <a:bodyPr/>
+                    <a:lstStyle/>
+                    <a:p>
+                      <a:r>
+                        <a:rPr lang="fr-FR" dirty="0" smtClean="0"/>
+                        <a:t>Systèmes d'exploitation pris en charge</a:t>
+                      </a:r>
+                      <a:endParaRPr lang="fr-FR" dirty="0"/>
+                    </a:p>
+                  </a:txBody>
+                  <a:tcPr/>
+                </a:tc>
+                <a:tc>
+                  <a:txBody>
+                    <a:bodyPr/>
+                    <a:lstStyle/>
+                    <a:p>
+                      <a:r>
+                        <a:rPr lang="fr-FR" sz="1800" b="0" i="0" kern="1200" dirty="0" smtClean="0">
+                          <a:solidFill>
+                            <a:schemeClr val="dk1"/>
+                          </a:solidFill>
+                          <a:effectLst/>
+                          <a:latin typeface="+mn-lt"/>
+                          <a:ea typeface="+mn-ea"/>
+                          <a:cs typeface="+mn-cs"/>
+                        </a:rPr>
+                        <a:t>Windows, SLES, </a:t>
+                      </a:r>
+                      <a:r>
+                        <a:rPr lang="fr-FR" sz="1800" b="0" i="0" kern="1200" dirty="0" err="1" smtClean="0">
+                          <a:solidFill>
+                            <a:schemeClr val="dk1"/>
+                          </a:solidFill>
+                          <a:effectLst/>
+                          <a:latin typeface="+mn-lt"/>
+                          <a:ea typeface="+mn-ea"/>
+                          <a:cs typeface="+mn-cs"/>
+                        </a:rPr>
+                        <a:t>CentOS</a:t>
+                      </a:r>
+                      <a:r>
+                        <a:rPr lang="fr-FR" sz="1800" b="0" i="0" kern="1200" dirty="0" smtClean="0">
+                          <a:solidFill>
+                            <a:schemeClr val="dk1"/>
+                          </a:solidFill>
+                          <a:effectLst/>
+                          <a:latin typeface="+mn-lt"/>
+                          <a:ea typeface="+mn-ea"/>
+                          <a:cs typeface="+mn-cs"/>
+                        </a:rPr>
+                        <a:t>, </a:t>
+                      </a:r>
+                      <a:r>
+                        <a:rPr lang="fr-FR" sz="1800" b="0" i="0" kern="1200" dirty="0" err="1" smtClean="0">
+                          <a:solidFill>
+                            <a:schemeClr val="dk1"/>
+                          </a:solidFill>
+                          <a:effectLst/>
+                          <a:latin typeface="+mn-lt"/>
+                          <a:ea typeface="+mn-ea"/>
+                          <a:cs typeface="+mn-cs"/>
+                        </a:rPr>
+                        <a:t>CoreOS</a:t>
+                      </a:r>
+                      <a:r>
+                        <a:rPr lang="fr-FR" sz="1800" b="0" i="0" kern="1200" dirty="0" smtClean="0">
+                          <a:solidFill>
+                            <a:schemeClr val="dk1"/>
+                          </a:solidFill>
+                          <a:effectLst/>
+                          <a:latin typeface="+mn-lt"/>
+                          <a:ea typeface="+mn-ea"/>
+                          <a:cs typeface="+mn-cs"/>
+                        </a:rPr>
+                        <a:t>, </a:t>
+                      </a:r>
+                      <a:r>
+                        <a:rPr lang="fr-FR" sz="1800" b="0" i="0" kern="1200" dirty="0" err="1" smtClean="0">
+                          <a:solidFill>
+                            <a:schemeClr val="dk1"/>
+                          </a:solidFill>
+                          <a:effectLst/>
+                          <a:latin typeface="+mn-lt"/>
+                          <a:ea typeface="+mn-ea"/>
+                          <a:cs typeface="+mn-cs"/>
+                        </a:rPr>
+                        <a:t>OpenSUSE</a:t>
+                      </a:r>
+                      <a:r>
+                        <a:rPr lang="fr-FR" sz="1800" b="0" i="0" kern="1200" dirty="0" smtClean="0">
+                          <a:solidFill>
+                            <a:schemeClr val="dk1"/>
+                          </a:solidFill>
+                          <a:effectLst/>
+                          <a:latin typeface="+mn-lt"/>
+                          <a:ea typeface="+mn-ea"/>
+                          <a:cs typeface="+mn-cs"/>
+                        </a:rPr>
+                        <a:t>, </a:t>
+                      </a:r>
+                      <a:r>
+                        <a:rPr lang="fr-FR" sz="1800" b="0" i="0" u="sng" kern="1200" dirty="0" err="1" smtClean="0">
+                          <a:solidFill>
+                            <a:schemeClr val="dk1"/>
+                          </a:solidFill>
+                          <a:effectLst/>
+                          <a:latin typeface="+mn-lt"/>
+                          <a:ea typeface="+mn-ea"/>
+                          <a:cs typeface="+mn-cs"/>
+                        </a:rPr>
+                        <a:t>RedHat</a:t>
+                      </a:r>
+                      <a:r>
+                        <a:rPr lang="fr-FR" sz="1800" b="0" i="0" kern="1200" dirty="0" smtClean="0">
+                          <a:solidFill>
+                            <a:schemeClr val="dk1"/>
+                          </a:solidFill>
+                          <a:effectLst/>
+                          <a:latin typeface="+mn-lt"/>
+                          <a:ea typeface="+mn-ea"/>
+                          <a:cs typeface="+mn-cs"/>
+                        </a:rPr>
+                        <a:t>, </a:t>
+                      </a:r>
+                      <a:r>
+                        <a:rPr lang="fr-FR" sz="1800" b="0" i="0" kern="1200" dirty="0" err="1" smtClean="0">
+                          <a:solidFill>
+                            <a:schemeClr val="dk1"/>
+                          </a:solidFill>
+                          <a:effectLst/>
+                          <a:latin typeface="+mn-lt"/>
+                          <a:ea typeface="+mn-ea"/>
+                          <a:cs typeface="+mn-cs"/>
+                        </a:rPr>
+                        <a:t>CloudLinux</a:t>
+                      </a:r>
+                      <a:r>
+                        <a:rPr lang="fr-FR" sz="1800" b="0" i="0" kern="1200" dirty="0" smtClean="0">
+                          <a:solidFill>
+                            <a:schemeClr val="dk1"/>
+                          </a:solidFill>
+                          <a:effectLst/>
+                          <a:latin typeface="+mn-lt"/>
+                          <a:ea typeface="+mn-ea"/>
+                          <a:cs typeface="+mn-cs"/>
+                        </a:rPr>
+                        <a:t>, Debian, FreeBSD, </a:t>
+                      </a:r>
+                      <a:r>
+                        <a:rPr lang="fr-FR" sz="1800" b="0" i="0" kern="1200" dirty="0" err="1" smtClean="0">
+                          <a:solidFill>
+                            <a:schemeClr val="dk1"/>
+                          </a:solidFill>
+                          <a:effectLst/>
+                          <a:latin typeface="+mn-lt"/>
+                          <a:ea typeface="+mn-ea"/>
+                          <a:cs typeface="+mn-cs"/>
+                        </a:rPr>
+                        <a:t>Ubuntu</a:t>
+                      </a:r>
+                      <a:r>
+                        <a:rPr lang="fr-FR" sz="1800" b="0" i="0" kern="1200" dirty="0" smtClean="0">
+                          <a:solidFill>
+                            <a:schemeClr val="dk1"/>
+                          </a:solidFill>
+                          <a:effectLst/>
+                          <a:latin typeface="+mn-lt"/>
+                          <a:ea typeface="+mn-ea"/>
+                          <a:cs typeface="+mn-cs"/>
+                        </a:rPr>
+                        <a:t>, Oracle Linux</a:t>
+                      </a:r>
+                      <a:endParaRPr lang="fr-FR" dirty="0"/>
+                    </a:p>
+                  </a:txBody>
+                  <a:tcPr/>
+                </a:tc>
+                <a:tc>
+                  <a:txBody>
+                    <a:bodyPr/>
+                    <a:lstStyle/>
+                    <a:p>
+                      <a:r>
+                        <a:rPr lang="fr-FR" sz="1800" b="0" i="0" kern="1200" dirty="0" smtClean="0">
+                          <a:solidFill>
+                            <a:schemeClr val="dk1"/>
+                          </a:solidFill>
+                          <a:effectLst/>
+                          <a:latin typeface="+mn-lt"/>
+                          <a:ea typeface="+mn-ea"/>
+                          <a:cs typeface="+mn-cs"/>
+                        </a:rPr>
+                        <a:t>Windows, SLES, </a:t>
+                      </a:r>
+                      <a:r>
+                        <a:rPr lang="fr-FR" sz="1800" b="0" i="0" kern="1200" dirty="0" err="1" smtClean="0">
+                          <a:solidFill>
+                            <a:schemeClr val="dk1"/>
+                          </a:solidFill>
+                          <a:effectLst/>
+                          <a:latin typeface="+mn-lt"/>
+                          <a:ea typeface="+mn-ea"/>
+                          <a:cs typeface="+mn-cs"/>
+                        </a:rPr>
+                        <a:t>CentOS</a:t>
+                      </a:r>
+                      <a:r>
+                        <a:rPr lang="fr-FR" sz="1800" b="0" i="0" kern="1200" dirty="0" smtClean="0">
+                          <a:solidFill>
+                            <a:schemeClr val="dk1"/>
+                          </a:solidFill>
+                          <a:effectLst/>
+                          <a:latin typeface="+mn-lt"/>
+                          <a:ea typeface="+mn-ea"/>
+                          <a:cs typeface="+mn-cs"/>
+                        </a:rPr>
+                        <a:t>, </a:t>
+                      </a:r>
+                      <a:r>
+                        <a:rPr lang="fr-FR" sz="1800" b="0" i="0" kern="1200" dirty="0" err="1" smtClean="0">
+                          <a:solidFill>
+                            <a:schemeClr val="dk1"/>
+                          </a:solidFill>
+                          <a:effectLst/>
+                          <a:latin typeface="+mn-lt"/>
+                          <a:ea typeface="+mn-ea"/>
+                          <a:cs typeface="+mn-cs"/>
+                        </a:rPr>
+                        <a:t>CoreOS</a:t>
+                      </a:r>
+                      <a:r>
+                        <a:rPr lang="fr-FR" sz="1800" b="0" i="0" kern="1200" dirty="0" smtClean="0">
+                          <a:solidFill>
+                            <a:schemeClr val="dk1"/>
+                          </a:solidFill>
+                          <a:effectLst/>
+                          <a:latin typeface="+mn-lt"/>
+                          <a:ea typeface="+mn-ea"/>
+                          <a:cs typeface="+mn-cs"/>
+                        </a:rPr>
+                        <a:t>, </a:t>
+                      </a:r>
+                      <a:r>
+                        <a:rPr lang="fr-FR" sz="1800" b="0" i="0" kern="1200" dirty="0" err="1" smtClean="0">
+                          <a:solidFill>
+                            <a:schemeClr val="dk1"/>
+                          </a:solidFill>
+                          <a:effectLst/>
+                          <a:latin typeface="+mn-lt"/>
+                          <a:ea typeface="+mn-ea"/>
+                          <a:cs typeface="+mn-cs"/>
+                        </a:rPr>
+                        <a:t>OpenSUSE</a:t>
+                      </a:r>
+                      <a:r>
+                        <a:rPr lang="fr-FR" sz="1800" b="0" i="0" kern="1200" dirty="0" smtClean="0">
+                          <a:solidFill>
+                            <a:schemeClr val="dk1"/>
+                          </a:solidFill>
+                          <a:effectLst/>
+                          <a:latin typeface="+mn-lt"/>
+                          <a:ea typeface="+mn-ea"/>
+                          <a:cs typeface="+mn-cs"/>
+                        </a:rPr>
+                        <a:t>, </a:t>
+                      </a:r>
+                      <a:r>
+                        <a:rPr lang="fr-FR" sz="1800" b="0" i="0" u="sng" kern="1200" dirty="0" err="1" smtClean="0">
+                          <a:solidFill>
+                            <a:schemeClr val="dk1"/>
+                          </a:solidFill>
+                          <a:effectLst/>
+                          <a:latin typeface="+mn-lt"/>
+                          <a:ea typeface="+mn-ea"/>
+                          <a:cs typeface="+mn-cs"/>
+                        </a:rPr>
+                        <a:t>RedHat</a:t>
+                      </a:r>
+                      <a:r>
+                        <a:rPr lang="fr-FR" sz="1800" b="0" i="0" kern="1200" dirty="0" smtClean="0">
+                          <a:solidFill>
+                            <a:schemeClr val="dk1"/>
+                          </a:solidFill>
+                          <a:effectLst/>
+                          <a:latin typeface="+mn-lt"/>
+                          <a:ea typeface="+mn-ea"/>
+                          <a:cs typeface="+mn-cs"/>
+                        </a:rPr>
+                        <a:t>, Debian, FreeBSD, </a:t>
+                      </a:r>
+                      <a:r>
+                        <a:rPr lang="fr-FR" sz="1800" b="0" i="0" kern="1200" dirty="0" err="1" smtClean="0">
+                          <a:solidFill>
+                            <a:schemeClr val="dk1"/>
+                          </a:solidFill>
+                          <a:effectLst/>
+                          <a:latin typeface="+mn-lt"/>
+                          <a:ea typeface="+mn-ea"/>
+                          <a:cs typeface="+mn-cs"/>
+                        </a:rPr>
+                        <a:t>Ubuntu</a:t>
+                      </a:r>
+                      <a:endParaRPr lang="fr-FR" dirty="0" smtClean="0"/>
+                    </a:p>
+                  </a:txBody>
+                  <a:tcPr/>
+                </a:tc>
+                <a:tc>
+                  <a:txBody>
+                    <a:bodyPr/>
+                    <a:lstStyle/>
+                    <a:p>
+                      <a:r>
+                        <a:rPr lang="fr-FR" sz="1800" b="0" i="0" kern="1200" dirty="0" smtClean="0">
+                          <a:solidFill>
+                            <a:schemeClr val="dk1"/>
+                          </a:solidFill>
+                          <a:effectLst/>
+                          <a:latin typeface="+mn-lt"/>
+                          <a:ea typeface="+mn-ea"/>
+                          <a:cs typeface="+mn-cs"/>
+                        </a:rPr>
+                        <a:t>Windows, </a:t>
+                      </a:r>
+                      <a:r>
+                        <a:rPr lang="fr-FR" sz="1800" b="0" i="0" kern="1200" dirty="0" err="1" smtClean="0">
+                          <a:solidFill>
+                            <a:schemeClr val="dk1"/>
+                          </a:solidFill>
+                          <a:effectLst/>
+                          <a:latin typeface="+mn-lt"/>
+                          <a:ea typeface="+mn-ea"/>
+                          <a:cs typeface="+mn-cs"/>
+                        </a:rPr>
+                        <a:t>CentOS</a:t>
+                      </a:r>
+                      <a:r>
+                        <a:rPr lang="fr-FR" sz="1800" b="0" i="0" kern="1200" dirty="0" smtClean="0">
+                          <a:solidFill>
+                            <a:schemeClr val="dk1"/>
+                          </a:solidFill>
+                          <a:effectLst/>
+                          <a:latin typeface="+mn-lt"/>
+                          <a:ea typeface="+mn-ea"/>
+                          <a:cs typeface="+mn-cs"/>
+                        </a:rPr>
+                        <a:t>, </a:t>
+                      </a:r>
+                      <a:r>
+                        <a:rPr lang="fr-FR" sz="1800" b="0" i="0" kern="1200" dirty="0" err="1" smtClean="0">
+                          <a:solidFill>
+                            <a:schemeClr val="dk1"/>
+                          </a:solidFill>
+                          <a:effectLst/>
+                          <a:latin typeface="+mn-lt"/>
+                          <a:ea typeface="+mn-ea"/>
+                          <a:cs typeface="+mn-cs"/>
+                        </a:rPr>
+                        <a:t>CoreOS</a:t>
+                      </a:r>
+                      <a:r>
+                        <a:rPr lang="fr-FR" sz="1800" b="0" i="0" kern="1200" dirty="0" smtClean="0">
+                          <a:solidFill>
+                            <a:schemeClr val="dk1"/>
+                          </a:solidFill>
+                          <a:effectLst/>
+                          <a:latin typeface="+mn-lt"/>
+                          <a:ea typeface="+mn-ea"/>
+                          <a:cs typeface="+mn-cs"/>
+                        </a:rPr>
+                        <a:t>, </a:t>
+                      </a:r>
+                      <a:r>
+                        <a:rPr lang="fr-FR" sz="1800" b="0" i="0" u="sng" kern="1200" dirty="0" err="1" smtClean="0">
+                          <a:solidFill>
+                            <a:schemeClr val="dk1"/>
+                          </a:solidFill>
+                          <a:effectLst/>
+                          <a:latin typeface="+mn-lt"/>
+                          <a:ea typeface="+mn-ea"/>
+                          <a:cs typeface="+mn-cs"/>
+                        </a:rPr>
+                        <a:t>RedHat</a:t>
+                      </a:r>
+                      <a:r>
+                        <a:rPr lang="fr-FR" sz="1800" b="0" i="0" kern="1200" dirty="0" smtClean="0">
+                          <a:solidFill>
+                            <a:schemeClr val="dk1"/>
+                          </a:solidFill>
+                          <a:effectLst/>
+                          <a:latin typeface="+mn-lt"/>
+                          <a:ea typeface="+mn-ea"/>
+                          <a:cs typeface="+mn-cs"/>
+                        </a:rPr>
+                        <a:t>, </a:t>
+                      </a:r>
+                      <a:r>
+                        <a:rPr lang="fr-FR" sz="1800" b="0" i="0" kern="1200" dirty="0" err="1" smtClean="0">
+                          <a:solidFill>
+                            <a:schemeClr val="dk1"/>
+                          </a:solidFill>
+                          <a:effectLst/>
+                          <a:latin typeface="+mn-lt"/>
+                          <a:ea typeface="+mn-ea"/>
+                          <a:cs typeface="+mn-cs"/>
+                        </a:rPr>
+                        <a:t>CloudLinux</a:t>
+                      </a:r>
+                      <a:r>
+                        <a:rPr lang="fr-FR" sz="1800" b="0" i="0" kern="1200" dirty="0" smtClean="0">
+                          <a:solidFill>
+                            <a:schemeClr val="dk1"/>
+                          </a:solidFill>
+                          <a:effectLst/>
+                          <a:latin typeface="+mn-lt"/>
+                          <a:ea typeface="+mn-ea"/>
+                          <a:cs typeface="+mn-cs"/>
+                        </a:rPr>
+                        <a:t>, Debian, FreeBSD, </a:t>
+                      </a:r>
+                      <a:r>
+                        <a:rPr lang="fr-FR" sz="1800" b="0" i="0" kern="1200" dirty="0" err="1" smtClean="0">
+                          <a:solidFill>
+                            <a:schemeClr val="dk1"/>
+                          </a:solidFill>
+                          <a:effectLst/>
+                          <a:latin typeface="+mn-lt"/>
+                          <a:ea typeface="+mn-ea"/>
+                          <a:cs typeface="+mn-cs"/>
+                        </a:rPr>
+                        <a:t>Ubuntu</a:t>
+                      </a:r>
+                      <a:endParaRPr lang="fr-FR" dirty="0"/>
+                    </a:p>
+                  </a:txBody>
+                  <a:tcPr/>
+                </a:tc>
+                <a:tc>
+                  <a:txBody>
+                    <a:bodyPr/>
+                    <a:lstStyle/>
+                    <a:p>
+                      <a:r>
+                        <a:rPr lang="fr-FR" sz="1800" b="0" i="0" kern="1200" dirty="0" smtClean="0">
+                          <a:solidFill>
+                            <a:schemeClr val="dk1"/>
+                          </a:solidFill>
+                          <a:effectLst/>
+                          <a:latin typeface="+mn-lt"/>
+                          <a:ea typeface="+mn-ea"/>
+                          <a:cs typeface="+mn-cs"/>
+                        </a:rPr>
+                        <a:t>Windows, SLES, </a:t>
+                      </a:r>
+                      <a:r>
+                        <a:rPr lang="fr-FR" sz="1800" b="0" i="0" kern="1200" dirty="0" err="1" smtClean="0">
+                          <a:solidFill>
+                            <a:schemeClr val="dk1"/>
+                          </a:solidFill>
+                          <a:effectLst/>
+                          <a:latin typeface="+mn-lt"/>
+                          <a:ea typeface="+mn-ea"/>
+                          <a:cs typeface="+mn-cs"/>
+                        </a:rPr>
+                        <a:t>CentOS</a:t>
+                      </a:r>
+                      <a:r>
+                        <a:rPr lang="fr-FR" sz="1800" b="0" i="0" kern="1200" dirty="0" smtClean="0">
+                          <a:solidFill>
+                            <a:schemeClr val="dk1"/>
+                          </a:solidFill>
+                          <a:effectLst/>
+                          <a:latin typeface="+mn-lt"/>
+                          <a:ea typeface="+mn-ea"/>
+                          <a:cs typeface="+mn-cs"/>
+                        </a:rPr>
+                        <a:t>, </a:t>
+                      </a:r>
+                      <a:r>
+                        <a:rPr lang="fr-FR" sz="1800" b="0" i="0" kern="1200" dirty="0" err="1" smtClean="0">
+                          <a:solidFill>
+                            <a:schemeClr val="dk1"/>
+                          </a:solidFill>
+                          <a:effectLst/>
+                          <a:latin typeface="+mn-lt"/>
+                          <a:ea typeface="+mn-ea"/>
+                          <a:cs typeface="+mn-cs"/>
+                        </a:rPr>
+                        <a:t>CoreOS</a:t>
+                      </a:r>
+                      <a:r>
+                        <a:rPr lang="fr-FR" sz="1800" b="0" i="0" kern="1200" dirty="0" smtClean="0">
+                          <a:solidFill>
+                            <a:schemeClr val="dk1"/>
+                          </a:solidFill>
+                          <a:effectLst/>
+                          <a:latin typeface="+mn-lt"/>
+                          <a:ea typeface="+mn-ea"/>
+                          <a:cs typeface="+mn-cs"/>
+                        </a:rPr>
+                        <a:t>, </a:t>
+                      </a:r>
+                      <a:r>
+                        <a:rPr lang="fr-FR" sz="1800" b="0" i="0" kern="1200" dirty="0" err="1" smtClean="0">
+                          <a:solidFill>
+                            <a:schemeClr val="dk1"/>
+                          </a:solidFill>
+                          <a:effectLst/>
+                          <a:latin typeface="+mn-lt"/>
+                          <a:ea typeface="+mn-ea"/>
+                          <a:cs typeface="+mn-cs"/>
+                        </a:rPr>
+                        <a:t>OpenSUSE</a:t>
+                      </a:r>
+                      <a:r>
+                        <a:rPr lang="fr-FR" sz="1800" b="0" i="0" kern="1200" dirty="0" smtClean="0">
+                          <a:solidFill>
+                            <a:schemeClr val="dk1"/>
+                          </a:solidFill>
+                          <a:effectLst/>
+                          <a:latin typeface="+mn-lt"/>
+                          <a:ea typeface="+mn-ea"/>
+                          <a:cs typeface="+mn-cs"/>
+                        </a:rPr>
+                        <a:t>, </a:t>
+                      </a:r>
+                      <a:r>
+                        <a:rPr lang="fr-FR" sz="1800" b="0" i="0" u="sng" kern="1200" dirty="0" err="1" smtClean="0">
+                          <a:solidFill>
+                            <a:schemeClr val="dk1"/>
+                          </a:solidFill>
+                          <a:effectLst/>
+                          <a:latin typeface="+mn-lt"/>
+                          <a:ea typeface="+mn-ea"/>
+                          <a:cs typeface="+mn-cs"/>
+                        </a:rPr>
+                        <a:t>RedHat</a:t>
+                      </a:r>
+                      <a:r>
+                        <a:rPr lang="fr-FR" sz="1800" b="0" i="0" kern="1200" dirty="0" smtClean="0">
+                          <a:solidFill>
+                            <a:schemeClr val="dk1"/>
+                          </a:solidFill>
+                          <a:effectLst/>
+                          <a:latin typeface="+mn-lt"/>
+                          <a:ea typeface="+mn-ea"/>
+                          <a:cs typeface="+mn-cs"/>
+                        </a:rPr>
+                        <a:t>, Debian, FreeBSD, </a:t>
+                      </a:r>
+                      <a:r>
+                        <a:rPr lang="fr-FR" sz="1800" b="0" i="0" kern="1200" dirty="0" err="1" smtClean="0">
+                          <a:solidFill>
+                            <a:schemeClr val="dk1"/>
+                          </a:solidFill>
+                          <a:effectLst/>
+                          <a:latin typeface="+mn-lt"/>
+                          <a:ea typeface="+mn-ea"/>
+                          <a:cs typeface="+mn-cs"/>
+                        </a:rPr>
+                        <a:t>Ubuntu</a:t>
+                      </a:r>
+                      <a:r>
+                        <a:rPr lang="fr-FR" sz="1800" b="0" i="0" kern="1200" dirty="0" smtClean="0">
+                          <a:solidFill>
+                            <a:schemeClr val="dk1"/>
+                          </a:solidFill>
+                          <a:effectLst/>
+                          <a:latin typeface="+mn-lt"/>
+                          <a:ea typeface="+mn-ea"/>
+                          <a:cs typeface="+mn-cs"/>
+                        </a:rPr>
+                        <a:t>, Oracle Linux</a:t>
+                      </a:r>
+                      <a:endParaRPr lang="fr-FR" dirty="0"/>
+                    </a:p>
+                  </a:txBody>
+                  <a:tcPr/>
+                </a:tc>
+              </a:tr>
+            </a:tbl>
+          </a:graphicData>
+        </a:graphic>
+      </p:graphicFrame>
+    </p:spTree>
+    <p:extLst>
+      <p:ext uri="{BB962C8B-B14F-4D97-AF65-F5344CB8AC3E}">
+        <p14:creationId xmlns:p14="http://schemas.microsoft.com/office/powerpoint/2010/main" val="907526570"/>
+      </p:ext>
+    </p:extLst>
+  </p:cSld>
+  <p:clrMapOvr>
+    <a:masterClrMapping/>
+  </p:clrMapOvr>
+  <p:timing>
+    <p:tnLst>
+      <p:par>
+        <p:cTn id="1" dur="indefinite" restart="never" nodeType="tmRoot"/>
+      </p:par>
+    </p:tnLst>
+  </p:timing>
 </p:sld>
 </file>
 
@@ -8643,7 +11887,7 @@
     </a:clrScheme>
     <a:fontScheme name="Facette">
       <a:majorFont>
-        <a:latin typeface="Trebuchet MS" panose="020B0603020202020204"/>
+        <a:latin typeface="Trebuchet MS"/>
         <a:ea typeface=""/>
         <a:cs typeface=""/>
         <a:font script="Jpan" typeface="メイリオ"/>
@@ -8678,7 +11922,7 @@
         <a:font script="Geor" typeface="Sylfaen"/>
       </a:majorFont>
       <a:minorFont>
-        <a:latin typeface="Trebuchet MS" panose="020B0603020202020204"/>
+        <a:latin typeface="Trebuchet MS"/>
         <a:ea typeface=""/>
         <a:cs typeface=""/>
         <a:font script="Jpan" typeface="メイリオ"/>
@@ -8855,4 +12099,526 @@
     </a:ext>
   </a:extLst>
 </a:theme>
+</file>
+
+<file path=ppt/theme/theme2.xml><?xml version="1.0" encoding="utf-8"?>
+<a:theme xmlns:a="http://schemas.openxmlformats.org/drawingml/2006/main" name="Thème Office">
+  <a:themeElements>
+    <a:clrScheme name="Office">
+      <a:dk1>
+        <a:sysClr val="windowText" lastClr="000000"/>
+      </a:dk1>
+      <a:lt1>
+        <a:sysClr val="window" lastClr="FFFFFF"/>
+      </a:lt1>
+      <a:dk2>
+        <a:srgbClr val="44546A"/>
+      </a:dk2>
+      <a:lt2>
+        <a:srgbClr val="E7E6E6"/>
+      </a:lt2>
+      <a:accent1>
+        <a:srgbClr val="5B9BD5"/>
+      </a:accent1>
+      <a:accent2>
+        <a:srgbClr val="ED7D31"/>
+      </a:accent2>
+      <a:accent3>
+        <a:srgbClr val="A5A5A5"/>
+      </a:accent3>
+      <a:accent4>
+        <a:srgbClr val="FFC000"/>
+      </a:accent4>
+      <a:accent5>
+        <a:srgbClr val="4472C4"/>
+      </a:accent5>
+      <a:accent6>
+        <a:srgbClr val="70AD47"/>
+      </a:accent6>
+      <a:hlink>
+        <a:srgbClr val="0563C1"/>
+      </a:hlink>
+      <a:folHlink>
+        <a:srgbClr val="954F72"/>
+      </a:folHlink>
+    </a:clrScheme>
+    <a:fontScheme name="Office">
+      <a:majorFont>
+        <a:latin typeface="Calibri Light" panose="020F0302020204030204"/>
+        <a:ea typeface=""/>
+        <a:cs typeface=""/>
+        <a:font script="Jpan" typeface="ＭＳ Ｐゴシック"/>
+        <a:font script="Hang" typeface="맑은 고딕"/>
+        <a:font script="Hans" typeface="宋体"/>
+        <a:font script="Hant" typeface="新細明體"/>
+        <a:font script="Arab" typeface="Times New Roman"/>
+        <a:font script="Hebr" typeface="Times New Roman"/>
+        <a:font script="Thai" typeface="Angsana New"/>
+        <a:font script="Ethi" typeface="Nyala"/>
+        <a:font script="Beng" typeface="Vrinda"/>
+        <a:font script="Gujr" typeface="Shruti"/>
+        <a:font script="Khmr" typeface="MoolBoran"/>
+        <a:font script="Knda" typeface="Tunga"/>
+        <a:font script="Guru" typeface="Raavi"/>
+        <a:font script="Cans" typeface="Euphemia"/>
+        <a:font script="Cher" typeface="Plantagenet Cherokee"/>
+        <a:font script="Yiii" typeface="Microsoft Yi Baiti"/>
+        <a:font script="Tibt" typeface="Microsoft Himalaya"/>
+        <a:font script="Thaa" typeface="MV Boli"/>
+        <a:font script="Deva" typeface="Mangal"/>
+        <a:font script="Telu" typeface="Gautami"/>
+        <a:font script="Taml" typeface="Latha"/>
+        <a:font script="Syrc" typeface="Estrangelo Edessa"/>
+        <a:font script="Orya" typeface="Kalinga"/>
+        <a:font script="Mlym" typeface="Kartika"/>
+        <a:font script="Laoo" typeface="DokChampa"/>
+        <a:font script="Sinh" typeface="Iskoola Pota"/>
+        <a:font script="Mong" typeface="Mongolian Baiti"/>
+        <a:font script="Viet" typeface="Times New Roman"/>
+        <a:font script="Uigh" typeface="Microsoft Uighur"/>
+        <a:font script="Geor" typeface="Sylfaen"/>
+      </a:majorFont>
+      <a:minorFont>
+        <a:latin typeface="Calibri" panose="020F0502020204030204"/>
+        <a:ea typeface=""/>
+        <a:cs typeface=""/>
+        <a:font script="Jpan" typeface="ＭＳ Ｐゴシック"/>
+        <a:font script="Hang" typeface="맑은 고딕"/>
+        <a:font script="Hans" typeface="宋体"/>
+        <a:font script="Hant" typeface="新細明體"/>
+        <a:font script="Arab" typeface="Arial"/>
+        <a:font script="Hebr" typeface="Arial"/>
+        <a:font script="Thai" typeface="Cordia New"/>
+        <a:font script="Ethi" typeface="Nyala"/>
+        <a:font script="Beng" typeface="Vrinda"/>
+        <a:font script="Gujr" typeface="Shruti"/>
+        <a:font script="Khmr" typeface="DaunPenh"/>
+        <a:font script="Knda" typeface="Tunga"/>
+        <a:font script="Guru" typeface="Raavi"/>
+        <a:font script="Cans" typeface="Euphemia"/>
+        <a:font script="Cher" typeface="Plantagenet Cherokee"/>
+        <a:font script="Yiii" typeface="Microsoft Yi Baiti"/>
+        <a:font script="Tibt" typeface="Microsoft Himalaya"/>
+        <a:font script="Thaa" typeface="MV Boli"/>
+        <a:font script="Deva" typeface="Mangal"/>
+        <a:font script="Telu" typeface="Gautami"/>
+        <a:font script="Taml" typeface="Latha"/>
+        <a:font script="Syrc" typeface="Estrangelo Edessa"/>
+        <a:font script="Orya" typeface="Kalinga"/>
+        <a:font script="Mlym" typeface="Kartika"/>
+        <a:font script="Laoo" typeface="DokChampa"/>
+        <a:font script="Sinh" typeface="Iskoola Pota"/>
+        <a:font script="Mong" typeface="Mongolian Baiti"/>
+        <a:font script="Viet" typeface="Arial"/>
+        <a:font script="Uigh" typeface="Microsoft Uighur"/>
+        <a:font script="Geor" typeface="Sylfaen"/>
+      </a:minorFont>
+    </a:fontScheme>
+    <a:fmtScheme name="Office">
+      <a:fillStyleLst>
+        <a:solidFill>
+          <a:schemeClr val="phClr"/>
+        </a:solidFill>
+        <a:gradFill rotWithShape="1">
+          <a:gsLst>
+            <a:gs pos="0">
+              <a:schemeClr val="phClr">
+                <a:lumMod val="110000"/>
+                <a:satMod val="105000"/>
+                <a:tint val="67000"/>
+              </a:schemeClr>
+            </a:gs>
+            <a:gs pos="50000">
+              <a:schemeClr val="phClr">
+                <a:lumMod val="105000"/>
+                <a:satMod val="103000"/>
+                <a:tint val="73000"/>
+              </a:schemeClr>
+            </a:gs>
+            <a:gs pos="100000">
+              <a:schemeClr val="phClr">
+                <a:lumMod val="105000"/>
+                <a:satMod val="109000"/>
+                <a:tint val="81000"/>
+              </a:schemeClr>
+            </a:gs>
+          </a:gsLst>
+          <a:lin ang="5400000" scaled="0"/>
+        </a:gradFill>
+        <a:gradFill rotWithShape="1">
+          <a:gsLst>
+            <a:gs pos="0">
+              <a:schemeClr val="phClr">
+                <a:satMod val="103000"/>
+                <a:lumMod val="102000"/>
+                <a:tint val="94000"/>
+              </a:schemeClr>
+            </a:gs>
+            <a:gs pos="50000">
+              <a:schemeClr val="phClr">
+                <a:satMod val="110000"/>
+                <a:lumMod val="100000"/>
+                <a:shade val="100000"/>
+              </a:schemeClr>
+            </a:gs>
+            <a:gs pos="100000">
+              <a:schemeClr val="phClr">
+                <a:lumMod val="99000"/>
+                <a:satMod val="120000"/>
+                <a:shade val="78000"/>
+              </a:schemeClr>
+            </a:gs>
+          </a:gsLst>
+          <a:lin ang="5400000" scaled="0"/>
+        </a:gradFill>
+      </a:fillStyleLst>
+      <a:lnStyleLst>
+        <a:ln w="6350" cap="flat" cmpd="sng" algn="ctr">
+          <a:solidFill>
+            <a:schemeClr val="phClr"/>
+          </a:solidFill>
+          <a:prstDash val="solid"/>
+          <a:miter lim="800000"/>
+        </a:ln>
+        <a:ln w="12700" cap="flat" cmpd="sng" algn="ctr">
+          <a:solidFill>
+            <a:schemeClr val="phClr"/>
+          </a:solidFill>
+          <a:prstDash val="solid"/>
+          <a:miter lim="800000"/>
+        </a:ln>
+        <a:ln w="19050" cap="flat" cmpd="sng" algn="ctr">
+          <a:solidFill>
+            <a:schemeClr val="phClr"/>
+          </a:solidFill>
+          <a:prstDash val="solid"/>
+          <a:miter lim="800000"/>
+        </a:ln>
+      </a:lnStyleLst>
+      <a:effectStyleLst>
+        <a:effectStyle>
+          <a:effectLst/>
+        </a:effectStyle>
+        <a:effectStyle>
+          <a:effectLst/>
+        </a:effectStyle>
+        <a:effectStyle>
+          <a:effectLst>
+            <a:outerShdw blurRad="57150" dist="19050" dir="5400000" algn="ctr" rotWithShape="0">
+              <a:srgbClr val="000000">
+                <a:alpha val="63000"/>
+              </a:srgbClr>
+            </a:outerShdw>
+          </a:effectLst>
+        </a:effectStyle>
+      </a:effectStyleLst>
+      <a:bgFillStyleLst>
+        <a:solidFill>
+          <a:schemeClr val="phClr"/>
+        </a:solidFill>
+        <a:solidFill>
+          <a:schemeClr val="phClr">
+            <a:tint val="95000"/>
+            <a:satMod val="170000"/>
+          </a:schemeClr>
+        </a:solidFill>
+        <a:gradFill rotWithShape="1">
+          <a:gsLst>
+            <a:gs pos="0">
+              <a:schemeClr val="phClr">
+                <a:tint val="93000"/>
+                <a:satMod val="150000"/>
+                <a:shade val="98000"/>
+                <a:lumMod val="102000"/>
+              </a:schemeClr>
+            </a:gs>
+            <a:gs pos="50000">
+              <a:schemeClr val="phClr">
+                <a:tint val="98000"/>
+                <a:satMod val="130000"/>
+                <a:shade val="90000"/>
+                <a:lumMod val="103000"/>
+              </a:schemeClr>
+            </a:gs>
+            <a:gs pos="100000">
+              <a:schemeClr val="phClr">
+                <a:shade val="63000"/>
+                <a:satMod val="120000"/>
+              </a:schemeClr>
+            </a:gs>
+          </a:gsLst>
+          <a:lin ang="5400000" scaled="0"/>
+        </a:gradFill>
+      </a:bgFillStyleLst>
+    </a:fmtScheme>
+  </a:themeElements>
+  <a:objectDefaults/>
+  <a:extraClrSchemeLst/>
+  <a:extLst>
+    <a:ext uri="{05A4C25C-085E-4340-85A3-A5531E510DB2}">
+      <thm15:themeFamily xmlns:thm15="http://schemas.microsoft.com/office/thememl/2012/main" name="Office Theme" id="{62F939B6-93AF-4DB8-9C6B-D6C7DFDC589F}" vid="{4A3C46E8-61CC-4603-A589-7422A47A8E4A}"/>
+    </a:ext>
+  </a:extLst>
+</a:theme>
+</file>
+
+<file path=ppt/theme/theme3.xml><?xml version="1.0" encoding="utf-8"?>
+<a:theme xmlns:a="http://schemas.openxmlformats.org/drawingml/2006/main" name="Thème Office">
+  <a:themeElements>
+    <a:clrScheme name="Office">
+      <a:dk1>
+        <a:sysClr val="windowText" lastClr="000000"/>
+      </a:dk1>
+      <a:lt1>
+        <a:sysClr val="window" lastClr="FFFFFF"/>
+      </a:lt1>
+      <a:dk2>
+        <a:srgbClr val="44546A"/>
+      </a:dk2>
+      <a:lt2>
+        <a:srgbClr val="E7E6E6"/>
+      </a:lt2>
+      <a:accent1>
+        <a:srgbClr val="5B9BD5"/>
+      </a:accent1>
+      <a:accent2>
+        <a:srgbClr val="ED7D31"/>
+      </a:accent2>
+      <a:accent3>
+        <a:srgbClr val="A5A5A5"/>
+      </a:accent3>
+      <a:accent4>
+        <a:srgbClr val="FFC000"/>
+      </a:accent4>
+      <a:accent5>
+        <a:srgbClr val="4472C4"/>
+      </a:accent5>
+      <a:accent6>
+        <a:srgbClr val="70AD47"/>
+      </a:accent6>
+      <a:hlink>
+        <a:srgbClr val="0563C1"/>
+      </a:hlink>
+      <a:folHlink>
+        <a:srgbClr val="954F72"/>
+      </a:folHlink>
+    </a:clrScheme>
+    <a:fontScheme name="Office">
+      <a:majorFont>
+        <a:latin typeface="Calibri Light" panose="020F0302020204030204"/>
+        <a:ea typeface=""/>
+        <a:cs typeface=""/>
+        <a:font script="Jpan" typeface="ＭＳ Ｐゴシック"/>
+        <a:font script="Hang" typeface="맑은 고딕"/>
+        <a:font script="Hans" typeface="宋体"/>
+        <a:font script="Hant" typeface="新細明體"/>
+        <a:font script="Arab" typeface="Times New Roman"/>
+        <a:font script="Hebr" typeface="Times New Roman"/>
+        <a:font script="Thai" typeface="Angsana New"/>
+        <a:font script="Ethi" typeface="Nyala"/>
+        <a:font script="Beng" typeface="Vrinda"/>
+        <a:font script="Gujr" typeface="Shruti"/>
+        <a:font script="Khmr" typeface="MoolBoran"/>
+        <a:font script="Knda" typeface="Tunga"/>
+        <a:font script="Guru" typeface="Raavi"/>
+        <a:font script="Cans" typeface="Euphemia"/>
+        <a:font script="Cher" typeface="Plantagenet Cherokee"/>
+        <a:font script="Yiii" typeface="Microsoft Yi Baiti"/>
+        <a:font script="Tibt" typeface="Microsoft Himalaya"/>
+        <a:font script="Thaa" typeface="MV Boli"/>
+        <a:font script="Deva" typeface="Mangal"/>
+        <a:font script="Telu" typeface="Gautami"/>
+        <a:font script="Taml" typeface="Latha"/>
+        <a:font script="Syrc" typeface="Estrangelo Edessa"/>
+        <a:font script="Orya" typeface="Kalinga"/>
+        <a:font script="Mlym" typeface="Kartika"/>
+        <a:font script="Laoo" typeface="DokChampa"/>
+        <a:font script="Sinh" typeface="Iskoola Pota"/>
+        <a:font script="Mong" typeface="Mongolian Baiti"/>
+        <a:font script="Viet" typeface="Times New Roman"/>
+        <a:font script="Uigh" typeface="Microsoft Uighur"/>
+        <a:font script="Geor" typeface="Sylfaen"/>
+      </a:majorFont>
+      <a:minorFont>
+        <a:latin typeface="Calibri" panose="020F0502020204030204"/>
+        <a:ea typeface=""/>
+        <a:cs typeface=""/>
+        <a:font script="Jpan" typeface="ＭＳ Ｐゴシック"/>
+        <a:font script="Hang" typeface="맑은 고딕"/>
+        <a:font script="Hans" typeface="宋体"/>
+        <a:font script="Hant" typeface="新細明體"/>
+        <a:font script="Arab" typeface="Arial"/>
+        <a:font script="Hebr" typeface="Arial"/>
+        <a:font script="Thai" typeface="Cordia New"/>
+        <a:font script="Ethi" typeface="Nyala"/>
+        <a:font script="Beng" typeface="Vrinda"/>
+        <a:font script="Gujr" typeface="Shruti"/>
+        <a:font script="Khmr" typeface="DaunPenh"/>
+        <a:font script="Knda" typeface="Tunga"/>
+        <a:font script="Guru" typeface="Raavi"/>
+        <a:font script="Cans" typeface="Euphemia"/>
+        <a:font script="Cher" typeface="Plantagenet Cherokee"/>
+        <a:font script="Yiii" typeface="Microsoft Yi Baiti"/>
+        <a:font script="Tibt" typeface="Microsoft Himalaya"/>
+        <a:font script="Thaa" typeface="MV Boli"/>
+        <a:font script="Deva" typeface="Mangal"/>
+        <a:font script="Telu" typeface="Gautami"/>
+        <a:font script="Taml" typeface="Latha"/>
+        <a:font script="Syrc" typeface="Estrangelo Edessa"/>
+        <a:font script="Orya" typeface="Kalinga"/>
+        <a:font script="Mlym" typeface="Kartika"/>
+        <a:font script="Laoo" typeface="DokChampa"/>
+        <a:font script="Sinh" typeface="Iskoola Pota"/>
+        <a:font script="Mong" typeface="Mongolian Baiti"/>
+        <a:font script="Viet" typeface="Arial"/>
+        <a:font script="Uigh" typeface="Microsoft Uighur"/>
+        <a:font script="Geor" typeface="Sylfaen"/>
+      </a:minorFont>
+    </a:fontScheme>
+    <a:fmtScheme name="Office">
+      <a:fillStyleLst>
+        <a:solidFill>
+          <a:schemeClr val="phClr"/>
+        </a:solidFill>
+        <a:gradFill rotWithShape="1">
+          <a:gsLst>
+            <a:gs pos="0">
+              <a:schemeClr val="phClr">
+                <a:lumMod val="110000"/>
+                <a:satMod val="105000"/>
+                <a:tint val="67000"/>
+              </a:schemeClr>
+            </a:gs>
+            <a:gs pos="50000">
+              <a:schemeClr val="phClr">
+                <a:lumMod val="105000"/>
+                <a:satMod val="103000"/>
+                <a:tint val="73000"/>
+              </a:schemeClr>
+            </a:gs>
+            <a:gs pos="100000">
+              <a:schemeClr val="phClr">
+                <a:lumMod val="105000"/>
+                <a:satMod val="109000"/>
+                <a:tint val="81000"/>
+              </a:schemeClr>
+            </a:gs>
+          </a:gsLst>
+          <a:lin ang="5400000" scaled="0"/>
+        </a:gradFill>
+        <a:gradFill rotWithShape="1">
+          <a:gsLst>
+            <a:gs pos="0">
+              <a:schemeClr val="phClr">
+                <a:satMod val="103000"/>
+                <a:lumMod val="102000"/>
+                <a:tint val="94000"/>
+              </a:schemeClr>
+            </a:gs>
+            <a:gs pos="50000">
+              <a:schemeClr val="phClr">
+                <a:satMod val="110000"/>
+                <a:lumMod val="100000"/>
+                <a:shade val="100000"/>
+              </a:schemeClr>
+            </a:gs>
+            <a:gs pos="100000">
+              <a:schemeClr val="phClr">
+                <a:lumMod val="99000"/>
+                <a:satMod val="120000"/>
+                <a:shade val="78000"/>
+              </a:schemeClr>
+            </a:gs>
+          </a:gsLst>
+          <a:lin ang="5400000" scaled="0"/>
+        </a:gradFill>
+      </a:fillStyleLst>
+      <a:lnStyleLst>
+        <a:ln w="6350" cap="flat" cmpd="sng" algn="ctr">
+          <a:solidFill>
+            <a:schemeClr val="phClr"/>
+          </a:solidFill>
+          <a:prstDash val="solid"/>
+          <a:miter lim="800000"/>
+        </a:ln>
+        <a:ln w="12700" cap="flat" cmpd="sng" algn="ctr">
+          <a:solidFill>
+            <a:schemeClr val="phClr"/>
+          </a:solidFill>
+          <a:prstDash val="solid"/>
+          <a:miter lim="800000"/>
+        </a:ln>
+        <a:ln w="19050" cap="flat" cmpd="sng" algn="ctr">
+          <a:solidFill>
+            <a:schemeClr val="phClr"/>
+          </a:solidFill>
+          <a:prstDash val="solid"/>
+          <a:miter lim="800000"/>
+        </a:ln>
+      </a:lnStyleLst>
+      <a:effectStyleLst>
+        <a:effectStyle>
+          <a:effectLst/>
+        </a:effectStyle>
+        <a:effectStyle>
+          <a:effectLst/>
+        </a:effectStyle>
+        <a:effectStyle>
+          <a:effectLst>
+            <a:outerShdw blurRad="57150" dist="19050" dir="5400000" algn="ctr" rotWithShape="0">
+              <a:srgbClr val="000000">
+                <a:alpha val="63000"/>
+              </a:srgbClr>
+            </a:outerShdw>
+          </a:effectLst>
+        </a:effectStyle>
+      </a:effectStyleLst>
+      <a:bgFillStyleLst>
+        <a:solidFill>
+          <a:schemeClr val="phClr"/>
+        </a:solidFill>
+        <a:solidFill>
+          <a:schemeClr val="phClr">
+            <a:tint val="95000"/>
+            <a:satMod val="170000"/>
+          </a:schemeClr>
+        </a:solidFill>
+        <a:gradFill rotWithShape="1">
+          <a:gsLst>
+            <a:gs pos="0">
+              <a:schemeClr val="phClr">
+                <a:tint val="93000"/>
+                <a:satMod val="150000"/>
+                <a:shade val="98000"/>
+                <a:lumMod val="102000"/>
+              </a:schemeClr>
+            </a:gs>
+            <a:gs pos="50000">
+              <a:schemeClr val="phClr">
+                <a:tint val="98000"/>
+                <a:satMod val="130000"/>
+                <a:shade val="90000"/>
+                <a:lumMod val="103000"/>
+              </a:schemeClr>
+            </a:gs>
+            <a:gs pos="100000">
+              <a:schemeClr val="phClr">
+                <a:shade val="63000"/>
+                <a:satMod val="120000"/>
+              </a:schemeClr>
+            </a:gs>
+          </a:gsLst>
+          <a:lin ang="5400000" scaled="0"/>
+        </a:gradFill>
+      </a:bgFillStyleLst>
+    </a:fmtScheme>
+  </a:themeElements>
+  <a:objectDefaults/>
+  <a:extraClrSchemeLst/>
+  <a:extLst>
+    <a:ext uri="{05A4C25C-085E-4340-85A3-A5531E510DB2}">
+      <thm15:themeFamily xmlns:thm15="http://schemas.microsoft.com/office/thememl/2012/main" name="Office Theme" id="{62F939B6-93AF-4DB8-9C6B-D6C7DFDC589F}" vid="{4A3C46E8-61CC-4603-A589-7422A47A8E4A}"/>
+    </a:ext>
+  </a:extLst>
+</a:theme>
 </file>